--- a/slides/FromZeroToKubernetes.pptx
+++ b/slides/FromZeroToKubernetes.pptx
@@ -180,6 +180,1697 @@
 </p:presentation>
 </file>
 
+<file path=ppt/revisionInfo.xml><?xml version="1.0" encoding="utf-8"?>
+<p1510:revInfo xmlns:a="http://schemas.openxmlformats.org/drawingml/2006/main" xmlns:r="http://schemas.openxmlformats.org/officeDocument/2006/relationships" xmlns:p1510="http://schemas.microsoft.com/office/powerpoint/2015/10/main">
+  <p1510:revLst>
+    <p1510:client id="{CCDFCFE5-CCE3-46A7-B0BF-E2BB4E55C315}" v="2758" dt="2019-10-07T05:59:16.643"/>
+  </p1510:revLst>
+</p1510:revInfo>
+</file>
+
+<file path=ppt/changesInfos/changesInfo1.xml><?xml version="1.0" encoding="utf-8"?>
+<pc:chgInfo xmlns:a="http://schemas.openxmlformats.org/drawingml/2006/main" xmlns:r="http://schemas.openxmlformats.org/officeDocument/2006/relationships" xmlns:ac="http://schemas.microsoft.com/office/drawing/2013/main/command" xmlns:pc="http://schemas.microsoft.com/office/powerpoint/2013/main/command">
+  <pc:docChgLst>
+    <pc:chgData name="Anthony Ison" userId="05e2123d-4a75-4a36-98f5-af5ff9a95a0a" providerId="ADAL" clId="{CCDFCFE5-CCE3-46A7-B0BF-E2BB4E55C315}"/>
+    <pc:docChg chg="undo custSel addSld delSld modSld sldOrd">
+      <pc:chgData name="Anthony Ison" userId="05e2123d-4a75-4a36-98f5-af5ff9a95a0a" providerId="ADAL" clId="{CCDFCFE5-CCE3-46A7-B0BF-E2BB4E55C315}" dt="2019-10-07T05:59:16.642" v="4003" actId="207"/>
+      <pc:docMkLst>
+        <pc:docMk/>
+      </pc:docMkLst>
+      <pc:sldChg chg="del">
+        <pc:chgData name="Anthony Ison" userId="05e2123d-4a75-4a36-98f5-af5ff9a95a0a" providerId="ADAL" clId="{CCDFCFE5-CCE3-46A7-B0BF-E2BB4E55C315}" dt="2019-10-06T05:26:52.179" v="84" actId="2696"/>
+        <pc:sldMkLst>
+          <pc:docMk/>
+          <pc:sldMk cId="3266959751" sldId="256"/>
+        </pc:sldMkLst>
+      </pc:sldChg>
+      <pc:sldChg chg="del">
+        <pc:chgData name="Anthony Ison" userId="05e2123d-4a75-4a36-98f5-af5ff9a95a0a" providerId="ADAL" clId="{CCDFCFE5-CCE3-46A7-B0BF-E2BB4E55C315}" dt="2019-10-06T05:27:09.079" v="86" actId="2696"/>
+        <pc:sldMkLst>
+          <pc:docMk/>
+          <pc:sldMk cId="1572924328" sldId="258"/>
+        </pc:sldMkLst>
+      </pc:sldChg>
+      <pc:sldChg chg="del">
+        <pc:chgData name="Anthony Ison" userId="05e2123d-4a75-4a36-98f5-af5ff9a95a0a" providerId="ADAL" clId="{CCDFCFE5-CCE3-46A7-B0BF-E2BB4E55C315}" dt="2019-10-06T05:26:41.577" v="83" actId="2696"/>
+        <pc:sldMkLst>
+          <pc:docMk/>
+          <pc:sldMk cId="660963995" sldId="260"/>
+        </pc:sldMkLst>
+      </pc:sldChg>
+      <pc:sldChg chg="ord">
+        <pc:chgData name="Anthony Ison" userId="05e2123d-4a75-4a36-98f5-af5ff9a95a0a" providerId="ADAL" clId="{CCDFCFE5-CCE3-46A7-B0BF-E2BB4E55C315}" dt="2019-10-07T02:13:28.291" v="3175"/>
+        <pc:sldMkLst>
+          <pc:docMk/>
+          <pc:sldMk cId="2819483909" sldId="264"/>
+        </pc:sldMkLst>
+      </pc:sldChg>
+      <pc:sldChg chg="modTransition">
+        <pc:chgData name="Anthony Ison" userId="05e2123d-4a75-4a36-98f5-af5ff9a95a0a" providerId="ADAL" clId="{CCDFCFE5-CCE3-46A7-B0BF-E2BB4E55C315}" dt="2019-10-06T02:41:03.634" v="35"/>
+        <pc:sldMkLst>
+          <pc:docMk/>
+          <pc:sldMk cId="1281158006" sldId="265"/>
+        </pc:sldMkLst>
+      </pc:sldChg>
+      <pc:sldChg chg="del">
+        <pc:chgData name="Anthony Ison" userId="05e2123d-4a75-4a36-98f5-af5ff9a95a0a" providerId="ADAL" clId="{CCDFCFE5-CCE3-46A7-B0BF-E2BB4E55C315}" dt="2019-10-06T05:27:00.418" v="85" actId="2696"/>
+        <pc:sldMkLst>
+          <pc:docMk/>
+          <pc:sldMk cId="871444826" sldId="266"/>
+        </pc:sldMkLst>
+      </pc:sldChg>
+      <pc:sldChg chg="addSp delSp modSp">
+        <pc:chgData name="Anthony Ison" userId="05e2123d-4a75-4a36-98f5-af5ff9a95a0a" providerId="ADAL" clId="{CCDFCFE5-CCE3-46A7-B0BF-E2BB4E55C315}" dt="2019-10-07T05:58:08.268" v="3997" actId="207"/>
+        <pc:sldMkLst>
+          <pc:docMk/>
+          <pc:sldMk cId="225138644" sldId="268"/>
+        </pc:sldMkLst>
+        <pc:spChg chg="add del mod">
+          <ac:chgData name="Anthony Ison" userId="05e2123d-4a75-4a36-98f5-af5ff9a95a0a" providerId="ADAL" clId="{CCDFCFE5-CCE3-46A7-B0BF-E2BB4E55C315}" dt="2019-10-06T12:16:26.709" v="1557" actId="478"/>
+          <ac:spMkLst>
+            <pc:docMk/>
+            <pc:sldMk cId="225138644" sldId="268"/>
+            <ac:spMk id="3" creationId="{7A10FAFE-0769-4853-8E57-7F943D93AD0E}"/>
+          </ac:spMkLst>
+        </pc:spChg>
+        <pc:spChg chg="mod">
+          <ac:chgData name="Anthony Ison" userId="05e2123d-4a75-4a36-98f5-af5ff9a95a0a" providerId="ADAL" clId="{CCDFCFE5-CCE3-46A7-B0BF-E2BB4E55C315}" dt="2019-10-07T05:58:08.268" v="3997" actId="207"/>
+          <ac:spMkLst>
+            <pc:docMk/>
+            <pc:sldMk cId="225138644" sldId="268"/>
+            <ac:spMk id="6" creationId="{00000000-0000-0000-0000-000000000000}"/>
+          </ac:spMkLst>
+        </pc:spChg>
+        <pc:spChg chg="add del mod">
+          <ac:chgData name="Anthony Ison" userId="05e2123d-4a75-4a36-98f5-af5ff9a95a0a" providerId="ADAL" clId="{CCDFCFE5-CCE3-46A7-B0BF-E2BB4E55C315}" dt="2019-10-06T12:16:07.480" v="1554" actId="478"/>
+          <ac:spMkLst>
+            <pc:docMk/>
+            <pc:sldMk cId="225138644" sldId="268"/>
+            <ac:spMk id="7" creationId="{42C8D512-87E0-425D-B26F-EC9035BC6F16}"/>
+          </ac:spMkLst>
+        </pc:spChg>
+        <pc:spChg chg="add del mod">
+          <ac:chgData name="Anthony Ison" userId="05e2123d-4a75-4a36-98f5-af5ff9a95a0a" providerId="ADAL" clId="{CCDFCFE5-CCE3-46A7-B0BF-E2BB4E55C315}" dt="2019-10-06T12:16:16.212" v="1556" actId="478"/>
+          <ac:spMkLst>
+            <pc:docMk/>
+            <pc:sldMk cId="225138644" sldId="268"/>
+            <ac:spMk id="9" creationId="{7DF967ED-722E-4842-9194-29C0769CA2FC}"/>
+          </ac:spMkLst>
+        </pc:spChg>
+        <pc:spChg chg="mod">
+          <ac:chgData name="Anthony Ison" userId="05e2123d-4a75-4a36-98f5-af5ff9a95a0a" providerId="ADAL" clId="{CCDFCFE5-CCE3-46A7-B0BF-E2BB4E55C315}" dt="2019-10-07T00:23:22.190" v="2177" actId="20577"/>
+          <ac:spMkLst>
+            <pc:docMk/>
+            <pc:sldMk cId="225138644" sldId="268"/>
+            <ac:spMk id="13" creationId="{00000000-0000-0000-0000-000000000000}"/>
+          </ac:spMkLst>
+        </pc:spChg>
+        <pc:spChg chg="mod">
+          <ac:chgData name="Anthony Ison" userId="05e2123d-4a75-4a36-98f5-af5ff9a95a0a" providerId="ADAL" clId="{CCDFCFE5-CCE3-46A7-B0BF-E2BB4E55C315}" dt="2019-10-07T00:23:59.529" v="2187" actId="20577"/>
+          <ac:spMkLst>
+            <pc:docMk/>
+            <pc:sldMk cId="225138644" sldId="268"/>
+            <ac:spMk id="18" creationId="{00000000-0000-0000-0000-000000000000}"/>
+          </ac:spMkLst>
+        </pc:spChg>
+        <pc:spChg chg="del">
+          <ac:chgData name="Anthony Ison" userId="05e2123d-4a75-4a36-98f5-af5ff9a95a0a" providerId="ADAL" clId="{CCDFCFE5-CCE3-46A7-B0BF-E2BB4E55C315}" dt="2019-10-06T12:15:54.503" v="1553" actId="478"/>
+          <ac:spMkLst>
+            <pc:docMk/>
+            <pc:sldMk cId="225138644" sldId="268"/>
+            <ac:spMk id="19" creationId="{00000000-0000-0000-0000-000000000000}"/>
+          </ac:spMkLst>
+        </pc:spChg>
+        <pc:spChg chg="del">
+          <ac:chgData name="Anthony Ison" userId="05e2123d-4a75-4a36-98f5-af5ff9a95a0a" providerId="ADAL" clId="{CCDFCFE5-CCE3-46A7-B0BF-E2BB4E55C315}" dt="2019-10-06T12:15:51.464" v="1552" actId="478"/>
+          <ac:spMkLst>
+            <pc:docMk/>
+            <pc:sldMk cId="225138644" sldId="268"/>
+            <ac:spMk id="20" creationId="{00000000-0000-0000-0000-000000000000}"/>
+          </ac:spMkLst>
+        </pc:spChg>
+        <pc:spChg chg="mod">
+          <ac:chgData name="Anthony Ison" userId="05e2123d-4a75-4a36-98f5-af5ff9a95a0a" providerId="ADAL" clId="{CCDFCFE5-CCE3-46A7-B0BF-E2BB4E55C315}" dt="2019-10-06T12:17:00.327" v="1558" actId="1076"/>
+          <ac:spMkLst>
+            <pc:docMk/>
+            <pc:sldMk cId="225138644" sldId="268"/>
+            <ac:spMk id="21" creationId="{00000000-0000-0000-0000-000000000000}"/>
+          </ac:spMkLst>
+        </pc:spChg>
+        <pc:picChg chg="add del">
+          <ac:chgData name="Anthony Ison" userId="05e2123d-4a75-4a36-98f5-af5ff9a95a0a" providerId="ADAL" clId="{CCDFCFE5-CCE3-46A7-B0BF-E2BB4E55C315}" dt="2019-10-06T12:16:16.212" v="1556" actId="478"/>
+          <ac:picMkLst>
+            <pc:docMk/>
+            <pc:sldMk cId="225138644" sldId="268"/>
+            <ac:picMk id="14" creationId="{00000000-0000-0000-0000-000000000000}"/>
+          </ac:picMkLst>
+        </pc:picChg>
+      </pc:sldChg>
+      <pc:sldChg chg="modTransition">
+        <pc:chgData name="Anthony Ison" userId="05e2123d-4a75-4a36-98f5-af5ff9a95a0a" providerId="ADAL" clId="{CCDFCFE5-CCE3-46A7-B0BF-E2BB4E55C315}" dt="2019-10-06T02:41:03.634" v="35"/>
+        <pc:sldMkLst>
+          <pc:docMk/>
+          <pc:sldMk cId="38237884" sldId="269"/>
+        </pc:sldMkLst>
+      </pc:sldChg>
+      <pc:sldChg chg="add">
+        <pc:chgData name="Anthony Ison" userId="05e2123d-4a75-4a36-98f5-af5ff9a95a0a" providerId="ADAL" clId="{CCDFCFE5-CCE3-46A7-B0BF-E2BB4E55C315}" dt="2019-10-06T01:53:19.944" v="3"/>
+        <pc:sldMkLst>
+          <pc:docMk/>
+          <pc:sldMk cId="3247172652" sldId="273"/>
+        </pc:sldMkLst>
+      </pc:sldChg>
+      <pc:sldChg chg="modTransition">
+        <pc:chgData name="Anthony Ison" userId="05e2123d-4a75-4a36-98f5-af5ff9a95a0a" providerId="ADAL" clId="{CCDFCFE5-CCE3-46A7-B0BF-E2BB4E55C315}" dt="2019-10-06T02:41:03.634" v="35"/>
+        <pc:sldMkLst>
+          <pc:docMk/>
+          <pc:sldMk cId="2577080067" sldId="275"/>
+        </pc:sldMkLst>
+      </pc:sldChg>
+      <pc:sldChg chg="modTransition">
+        <pc:chgData name="Anthony Ison" userId="05e2123d-4a75-4a36-98f5-af5ff9a95a0a" providerId="ADAL" clId="{CCDFCFE5-CCE3-46A7-B0BF-E2BB4E55C315}" dt="2019-10-06T02:41:03.634" v="35"/>
+        <pc:sldMkLst>
+          <pc:docMk/>
+          <pc:sldMk cId="4266656146" sldId="276"/>
+        </pc:sldMkLst>
+      </pc:sldChg>
+      <pc:sldChg chg="modTransition">
+        <pc:chgData name="Anthony Ison" userId="05e2123d-4a75-4a36-98f5-af5ff9a95a0a" providerId="ADAL" clId="{CCDFCFE5-CCE3-46A7-B0BF-E2BB4E55C315}" dt="2019-10-06T02:41:03.634" v="35"/>
+        <pc:sldMkLst>
+          <pc:docMk/>
+          <pc:sldMk cId="3562860432" sldId="278"/>
+        </pc:sldMkLst>
+      </pc:sldChg>
+      <pc:sldChg chg="del">
+        <pc:chgData name="Anthony Ison" userId="05e2123d-4a75-4a36-98f5-af5ff9a95a0a" providerId="ADAL" clId="{CCDFCFE5-CCE3-46A7-B0BF-E2BB4E55C315}" dt="2019-10-06T05:27:16.072" v="87" actId="2696"/>
+        <pc:sldMkLst>
+          <pc:docMk/>
+          <pc:sldMk cId="3759397048" sldId="280"/>
+        </pc:sldMkLst>
+      </pc:sldChg>
+      <pc:sldChg chg="del">
+        <pc:chgData name="Anthony Ison" userId="05e2123d-4a75-4a36-98f5-af5ff9a95a0a" providerId="ADAL" clId="{CCDFCFE5-CCE3-46A7-B0BF-E2BB4E55C315}" dt="2019-10-06T05:27:20.178" v="88" actId="2696"/>
+        <pc:sldMkLst>
+          <pc:docMk/>
+          <pc:sldMk cId="2823732685" sldId="281"/>
+        </pc:sldMkLst>
+      </pc:sldChg>
+      <pc:sldChg chg="modTransition">
+        <pc:chgData name="Anthony Ison" userId="05e2123d-4a75-4a36-98f5-af5ff9a95a0a" providerId="ADAL" clId="{CCDFCFE5-CCE3-46A7-B0BF-E2BB4E55C315}" dt="2019-10-06T02:41:03.634" v="35"/>
+        <pc:sldMkLst>
+          <pc:docMk/>
+          <pc:sldMk cId="2493324286" sldId="282"/>
+        </pc:sldMkLst>
+      </pc:sldChg>
+      <pc:sldChg chg="modTransition">
+        <pc:chgData name="Anthony Ison" userId="05e2123d-4a75-4a36-98f5-af5ff9a95a0a" providerId="ADAL" clId="{CCDFCFE5-CCE3-46A7-B0BF-E2BB4E55C315}" dt="2019-10-06T02:41:03.634" v="35"/>
+        <pc:sldMkLst>
+          <pc:docMk/>
+          <pc:sldMk cId="1721617412" sldId="283"/>
+        </pc:sldMkLst>
+      </pc:sldChg>
+      <pc:sldChg chg="modTransition">
+        <pc:chgData name="Anthony Ison" userId="05e2123d-4a75-4a36-98f5-af5ff9a95a0a" providerId="ADAL" clId="{CCDFCFE5-CCE3-46A7-B0BF-E2BB4E55C315}" dt="2019-10-06T02:41:03.634" v="35"/>
+        <pc:sldMkLst>
+          <pc:docMk/>
+          <pc:sldMk cId="3166423374" sldId="284"/>
+        </pc:sldMkLst>
+      </pc:sldChg>
+      <pc:sldChg chg="modTransition">
+        <pc:chgData name="Anthony Ison" userId="05e2123d-4a75-4a36-98f5-af5ff9a95a0a" providerId="ADAL" clId="{CCDFCFE5-CCE3-46A7-B0BF-E2BB4E55C315}" dt="2019-10-06T02:41:03.634" v="35"/>
+        <pc:sldMkLst>
+          <pc:docMk/>
+          <pc:sldMk cId="3964578447" sldId="285"/>
+        </pc:sldMkLst>
+      </pc:sldChg>
+      <pc:sldChg chg="modTransition">
+        <pc:chgData name="Anthony Ison" userId="05e2123d-4a75-4a36-98f5-af5ff9a95a0a" providerId="ADAL" clId="{CCDFCFE5-CCE3-46A7-B0BF-E2BB4E55C315}" dt="2019-10-07T03:23:29.148" v="3508"/>
+        <pc:sldMkLst>
+          <pc:docMk/>
+          <pc:sldMk cId="1535129682" sldId="286"/>
+        </pc:sldMkLst>
+      </pc:sldChg>
+      <pc:sldChg chg="modSp">
+        <pc:chgData name="Anthony Ison" userId="05e2123d-4a75-4a36-98f5-af5ff9a95a0a" providerId="ADAL" clId="{CCDFCFE5-CCE3-46A7-B0BF-E2BB4E55C315}" dt="2019-10-07T01:03:24.224" v="2397" actId="20577"/>
+        <pc:sldMkLst>
+          <pc:docMk/>
+          <pc:sldMk cId="1659407933" sldId="287"/>
+        </pc:sldMkLst>
+        <pc:spChg chg="mod">
+          <ac:chgData name="Anthony Ison" userId="05e2123d-4a75-4a36-98f5-af5ff9a95a0a" providerId="ADAL" clId="{CCDFCFE5-CCE3-46A7-B0BF-E2BB4E55C315}" dt="2019-10-07T01:03:24.224" v="2397" actId="20577"/>
+          <ac:spMkLst>
+            <pc:docMk/>
+            <pc:sldMk cId="1659407933" sldId="287"/>
+            <ac:spMk id="4" creationId="{00000000-0000-0000-0000-000000000000}"/>
+          </ac:spMkLst>
+        </pc:spChg>
+      </pc:sldChg>
+      <pc:sldChg chg="addSp delSp modSp modTransition">
+        <pc:chgData name="Anthony Ison" userId="05e2123d-4a75-4a36-98f5-af5ff9a95a0a" providerId="ADAL" clId="{CCDFCFE5-CCE3-46A7-B0BF-E2BB4E55C315}" dt="2019-10-06T09:10:33.912" v="916"/>
+        <pc:sldMkLst>
+          <pc:docMk/>
+          <pc:sldMk cId="3584107733" sldId="288"/>
+        </pc:sldMkLst>
+        <pc:spChg chg="add mod">
+          <ac:chgData name="Anthony Ison" userId="05e2123d-4a75-4a36-98f5-af5ff9a95a0a" providerId="ADAL" clId="{CCDFCFE5-CCE3-46A7-B0BF-E2BB4E55C315}" dt="2019-10-06T01:52:12.101" v="1" actId="11529"/>
+          <ac:spMkLst>
+            <pc:docMk/>
+            <pc:sldMk cId="3584107733" sldId="288"/>
+            <ac:spMk id="2" creationId="{6819A07E-A1CE-4F90-8D3C-52C9C335DC34}"/>
+          </ac:spMkLst>
+        </pc:spChg>
+        <pc:spChg chg="del">
+          <ac:chgData name="Anthony Ison" userId="05e2123d-4a75-4a36-98f5-af5ff9a95a0a" providerId="ADAL" clId="{CCDFCFE5-CCE3-46A7-B0BF-E2BB4E55C315}" dt="2019-10-06T01:53:29.520" v="4"/>
+          <ac:spMkLst>
+            <pc:docMk/>
+            <pc:sldMk cId="3584107733" sldId="288"/>
+            <ac:spMk id="4" creationId="{00000000-0000-0000-0000-000000000000}"/>
+          </ac:spMkLst>
+        </pc:spChg>
+        <pc:spChg chg="add mod">
+          <ac:chgData name="Anthony Ison" userId="05e2123d-4a75-4a36-98f5-af5ff9a95a0a" providerId="ADAL" clId="{CCDFCFE5-CCE3-46A7-B0BF-E2BB4E55C315}" dt="2019-10-06T01:52:24.943" v="2" actId="11529"/>
+          <ac:spMkLst>
+            <pc:docMk/>
+            <pc:sldMk cId="3584107733" sldId="288"/>
+            <ac:spMk id="6" creationId="{63F21F79-B632-402D-BFF1-9A622FF284BE}"/>
+          </ac:spMkLst>
+        </pc:spChg>
+        <pc:spChg chg="add mod">
+          <ac:chgData name="Anthony Ison" userId="05e2123d-4a75-4a36-98f5-af5ff9a95a0a" providerId="ADAL" clId="{CCDFCFE5-CCE3-46A7-B0BF-E2BB4E55C315}" dt="2019-10-06T01:53:29.520" v="4"/>
+          <ac:spMkLst>
+            <pc:docMk/>
+            <pc:sldMk cId="3584107733" sldId="288"/>
+            <ac:spMk id="7" creationId="{D7E7F01B-A31A-46A3-85B4-BB397CBDC265}"/>
+          </ac:spMkLst>
+        </pc:spChg>
+        <pc:spChg chg="add">
+          <ac:chgData name="Anthony Ison" userId="05e2123d-4a75-4a36-98f5-af5ff9a95a0a" providerId="ADAL" clId="{CCDFCFE5-CCE3-46A7-B0BF-E2BB4E55C315}" dt="2019-10-06T01:54:55.169" v="5"/>
+          <ac:spMkLst>
+            <pc:docMk/>
+            <pc:sldMk cId="3584107733" sldId="288"/>
+            <ac:spMk id="8" creationId="{AAEC686B-2E4F-4802-9405-0C27C7C02FD4}"/>
+          </ac:spMkLst>
+        </pc:spChg>
+        <pc:spChg chg="add">
+          <ac:chgData name="Anthony Ison" userId="05e2123d-4a75-4a36-98f5-af5ff9a95a0a" providerId="ADAL" clId="{CCDFCFE5-CCE3-46A7-B0BF-E2BB4E55C315}" dt="2019-10-06T01:55:22.493" v="6"/>
+          <ac:spMkLst>
+            <pc:docMk/>
+            <pc:sldMk cId="3584107733" sldId="288"/>
+            <ac:spMk id="9" creationId="{F8198B58-5287-4906-8C1A-27D1BB079B0F}"/>
+          </ac:spMkLst>
+        </pc:spChg>
+        <pc:spChg chg="add">
+          <ac:chgData name="Anthony Ison" userId="05e2123d-4a75-4a36-98f5-af5ff9a95a0a" providerId="ADAL" clId="{CCDFCFE5-CCE3-46A7-B0BF-E2BB4E55C315}" dt="2019-10-06T01:55:22.493" v="6"/>
+          <ac:spMkLst>
+            <pc:docMk/>
+            <pc:sldMk cId="3584107733" sldId="288"/>
+            <ac:spMk id="10" creationId="{BF886391-6300-4A34-A686-6E14C196C54A}"/>
+          </ac:spMkLst>
+        </pc:spChg>
+        <pc:spChg chg="add mod">
+          <ac:chgData name="Anthony Ison" userId="05e2123d-4a75-4a36-98f5-af5ff9a95a0a" providerId="ADAL" clId="{CCDFCFE5-CCE3-46A7-B0BF-E2BB4E55C315}" dt="2019-10-06T05:29:38.447" v="106" actId="14100"/>
+          <ac:spMkLst>
+            <pc:docMk/>
+            <pc:sldMk cId="3584107733" sldId="288"/>
+            <ac:spMk id="11" creationId="{A340452C-00D2-4808-94C4-AF8CA6E9FF58}"/>
+          </ac:spMkLst>
+        </pc:spChg>
+        <pc:spChg chg="add mod">
+          <ac:chgData name="Anthony Ison" userId="05e2123d-4a75-4a36-98f5-af5ff9a95a0a" providerId="ADAL" clId="{CCDFCFE5-CCE3-46A7-B0BF-E2BB4E55C315}" dt="2019-10-06T05:29:38.447" v="106" actId="14100"/>
+          <ac:spMkLst>
+            <pc:docMk/>
+            <pc:sldMk cId="3584107733" sldId="288"/>
+            <ac:spMk id="12" creationId="{EB85D80C-7F04-40D4-A76A-FDB26026039C}"/>
+          </ac:spMkLst>
+        </pc:spChg>
+        <pc:spChg chg="add mod">
+          <ac:chgData name="Anthony Ison" userId="05e2123d-4a75-4a36-98f5-af5ff9a95a0a" providerId="ADAL" clId="{CCDFCFE5-CCE3-46A7-B0BF-E2BB4E55C315}" dt="2019-10-06T05:29:27.186" v="105" actId="14100"/>
+          <ac:spMkLst>
+            <pc:docMk/>
+            <pc:sldMk cId="3584107733" sldId="288"/>
+            <ac:spMk id="13" creationId="{D2D6E4A3-0746-43A6-9D02-7CF4451B9ABC}"/>
+          </ac:spMkLst>
+        </pc:spChg>
+        <pc:spChg chg="add mod">
+          <ac:chgData name="Anthony Ison" userId="05e2123d-4a75-4a36-98f5-af5ff9a95a0a" providerId="ADAL" clId="{CCDFCFE5-CCE3-46A7-B0BF-E2BB4E55C315}" dt="2019-10-06T05:29:27.186" v="105" actId="14100"/>
+          <ac:spMkLst>
+            <pc:docMk/>
+            <pc:sldMk cId="3584107733" sldId="288"/>
+            <ac:spMk id="14" creationId="{ADED1640-5C95-42E2-9C75-7102F4D0E6C7}"/>
+          </ac:spMkLst>
+        </pc:spChg>
+      </pc:sldChg>
+      <pc:sldChg chg="addSp delSp modSp ord modAnim">
+        <pc:chgData name="Anthony Ison" userId="05e2123d-4a75-4a36-98f5-af5ff9a95a0a" providerId="ADAL" clId="{CCDFCFE5-CCE3-46A7-B0BF-E2BB4E55C315}" dt="2019-10-07T03:38:30.450" v="3556"/>
+        <pc:sldMkLst>
+          <pc:docMk/>
+          <pc:sldMk cId="2457946421" sldId="289"/>
+        </pc:sldMkLst>
+        <pc:spChg chg="add del mod">
+          <ac:chgData name="Anthony Ison" userId="05e2123d-4a75-4a36-98f5-af5ff9a95a0a" providerId="ADAL" clId="{CCDFCFE5-CCE3-46A7-B0BF-E2BB4E55C315}" dt="2019-10-07T03:11:26.170" v="3267" actId="478"/>
+          <ac:spMkLst>
+            <pc:docMk/>
+            <pc:sldMk cId="2457946421" sldId="289"/>
+            <ac:spMk id="2" creationId="{886CC1C9-9AD4-4126-8C14-C18DC1327AFD}"/>
+          </ac:spMkLst>
+        </pc:spChg>
+        <pc:spChg chg="mod">
+          <ac:chgData name="Anthony Ison" userId="05e2123d-4a75-4a36-98f5-af5ff9a95a0a" providerId="ADAL" clId="{CCDFCFE5-CCE3-46A7-B0BF-E2BB4E55C315}" dt="2019-10-06T05:57:03.838" v="396" actId="20577"/>
+          <ac:spMkLst>
+            <pc:docMk/>
+            <pc:sldMk cId="2457946421" sldId="289"/>
+            <ac:spMk id="3" creationId="{00000000-0000-0000-0000-000000000000}"/>
+          </ac:spMkLst>
+        </pc:spChg>
+        <pc:spChg chg="mod">
+          <ac:chgData name="Anthony Ison" userId="05e2123d-4a75-4a36-98f5-af5ff9a95a0a" providerId="ADAL" clId="{CCDFCFE5-CCE3-46A7-B0BF-E2BB4E55C315}" dt="2019-10-07T03:17:52.895" v="3507" actId="20577"/>
+          <ac:spMkLst>
+            <pc:docMk/>
+            <pc:sldMk cId="2457946421" sldId="289"/>
+            <ac:spMk id="4" creationId="{00000000-0000-0000-0000-000000000000}"/>
+          </ac:spMkLst>
+        </pc:spChg>
+        <pc:spChg chg="add del mod">
+          <ac:chgData name="Anthony Ison" userId="05e2123d-4a75-4a36-98f5-af5ff9a95a0a" providerId="ADAL" clId="{CCDFCFE5-CCE3-46A7-B0BF-E2BB4E55C315}" dt="2019-10-07T03:11:26.170" v="3267" actId="478"/>
+          <ac:spMkLst>
+            <pc:docMk/>
+            <pc:sldMk cId="2457946421" sldId="289"/>
+            <ac:spMk id="6" creationId="{8B1C0B71-A441-488E-924A-A09C31BCF894}"/>
+          </ac:spMkLst>
+        </pc:spChg>
+        <pc:spChg chg="add del mod">
+          <ac:chgData name="Anthony Ison" userId="05e2123d-4a75-4a36-98f5-af5ff9a95a0a" providerId="ADAL" clId="{CCDFCFE5-CCE3-46A7-B0BF-E2BB4E55C315}" dt="2019-10-07T03:11:26.170" v="3267" actId="478"/>
+          <ac:spMkLst>
+            <pc:docMk/>
+            <pc:sldMk cId="2457946421" sldId="289"/>
+            <ac:spMk id="7" creationId="{6912BD34-B406-499F-9591-1889C9AC31C0}"/>
+          </ac:spMkLst>
+        </pc:spChg>
+        <pc:spChg chg="add del mod">
+          <ac:chgData name="Anthony Ison" userId="05e2123d-4a75-4a36-98f5-af5ff9a95a0a" providerId="ADAL" clId="{CCDFCFE5-CCE3-46A7-B0BF-E2BB4E55C315}" dt="2019-10-07T03:11:31.852" v="3268" actId="478"/>
+          <ac:spMkLst>
+            <pc:docMk/>
+            <pc:sldMk cId="2457946421" sldId="289"/>
+            <ac:spMk id="8" creationId="{04147B33-8523-4E14-B2DD-8A0F498B337F}"/>
+          </ac:spMkLst>
+        </pc:spChg>
+        <pc:spChg chg="add del mod">
+          <ac:chgData name="Anthony Ison" userId="05e2123d-4a75-4a36-98f5-af5ff9a95a0a" providerId="ADAL" clId="{CCDFCFE5-CCE3-46A7-B0BF-E2BB4E55C315}" dt="2019-10-06T06:13:33.574" v="671" actId="478"/>
+          <ac:spMkLst>
+            <pc:docMk/>
+            <pc:sldMk cId="2457946421" sldId="289"/>
+            <ac:spMk id="9" creationId="{8690FD5F-3BC2-493F-9643-9CC7617BA926}"/>
+          </ac:spMkLst>
+        </pc:spChg>
+        <pc:spChg chg="add del mod">
+          <ac:chgData name="Anthony Ison" userId="05e2123d-4a75-4a36-98f5-af5ff9a95a0a" providerId="ADAL" clId="{CCDFCFE5-CCE3-46A7-B0BF-E2BB4E55C315}" dt="2019-10-06T06:13:36.144" v="672" actId="478"/>
+          <ac:spMkLst>
+            <pc:docMk/>
+            <pc:sldMk cId="2457946421" sldId="289"/>
+            <ac:spMk id="10" creationId="{E99474D7-11A0-4885-B80C-EBFDC6E38960}"/>
+          </ac:spMkLst>
+        </pc:spChg>
+        <pc:spChg chg="add del mod">
+          <ac:chgData name="Anthony Ison" userId="05e2123d-4a75-4a36-98f5-af5ff9a95a0a" providerId="ADAL" clId="{CCDFCFE5-CCE3-46A7-B0BF-E2BB4E55C315}" dt="2019-10-07T03:11:26.170" v="3267" actId="478"/>
+          <ac:spMkLst>
+            <pc:docMk/>
+            <pc:sldMk cId="2457946421" sldId="289"/>
+            <ac:spMk id="11" creationId="{DB430DFB-22B2-4981-AB3A-E8F014BB1C0F}"/>
+          </ac:spMkLst>
+        </pc:spChg>
+        <pc:spChg chg="add del mod">
+          <ac:chgData name="Anthony Ison" userId="05e2123d-4a75-4a36-98f5-af5ff9a95a0a" providerId="ADAL" clId="{CCDFCFE5-CCE3-46A7-B0BF-E2BB4E55C315}" dt="2019-10-07T03:11:26.170" v="3267" actId="478"/>
+          <ac:spMkLst>
+            <pc:docMk/>
+            <pc:sldMk cId="2457946421" sldId="289"/>
+            <ac:spMk id="12" creationId="{71158C1F-3CAD-433B-8375-15310946B72E}"/>
+          </ac:spMkLst>
+        </pc:spChg>
+        <pc:spChg chg="add del mod">
+          <ac:chgData name="Anthony Ison" userId="05e2123d-4a75-4a36-98f5-af5ff9a95a0a" providerId="ADAL" clId="{CCDFCFE5-CCE3-46A7-B0BF-E2BB4E55C315}" dt="2019-10-07T03:11:26.170" v="3267" actId="478"/>
+          <ac:spMkLst>
+            <pc:docMk/>
+            <pc:sldMk cId="2457946421" sldId="289"/>
+            <ac:spMk id="13" creationId="{BEF08F27-229F-46BA-B742-0FD3AD2DD5AC}"/>
+          </ac:spMkLst>
+        </pc:spChg>
+        <pc:spChg chg="add del mod">
+          <ac:chgData name="Anthony Ison" userId="05e2123d-4a75-4a36-98f5-af5ff9a95a0a" providerId="ADAL" clId="{CCDFCFE5-CCE3-46A7-B0BF-E2BB4E55C315}" dt="2019-10-07T03:11:26.170" v="3267" actId="478"/>
+          <ac:spMkLst>
+            <pc:docMk/>
+            <pc:sldMk cId="2457946421" sldId="289"/>
+            <ac:spMk id="14" creationId="{36023D82-B10B-456B-82F3-1A29F8B22CD7}"/>
+          </ac:spMkLst>
+        </pc:spChg>
+      </pc:sldChg>
+      <pc:sldChg chg="addSp delSp modSp ord modAnim">
+        <pc:chgData name="Anthony Ison" userId="05e2123d-4a75-4a36-98f5-af5ff9a95a0a" providerId="ADAL" clId="{CCDFCFE5-CCE3-46A7-B0BF-E2BB4E55C315}" dt="2019-10-07T05:18:27.297" v="3829" actId="20577"/>
+        <pc:sldMkLst>
+          <pc:docMk/>
+          <pc:sldMk cId="2623279212" sldId="290"/>
+        </pc:sldMkLst>
+        <pc:spChg chg="add mod">
+          <ac:chgData name="Anthony Ison" userId="05e2123d-4a75-4a36-98f5-af5ff9a95a0a" providerId="ADAL" clId="{CCDFCFE5-CCE3-46A7-B0BF-E2BB4E55C315}" dt="2019-10-06T01:59:23.319" v="8" actId="207"/>
+          <ac:spMkLst>
+            <pc:docMk/>
+            <pc:sldMk cId="2623279212" sldId="290"/>
+            <ac:spMk id="2" creationId="{19DC48CE-DA5B-4C78-9B62-3864FBFF2311}"/>
+          </ac:spMkLst>
+        </pc:spChg>
+        <pc:spChg chg="add mod">
+          <ac:chgData name="Anthony Ison" userId="05e2123d-4a75-4a36-98f5-af5ff9a95a0a" providerId="ADAL" clId="{CCDFCFE5-CCE3-46A7-B0BF-E2BB4E55C315}" dt="2019-10-07T05:17:49.776" v="3805" actId="20577"/>
+          <ac:spMkLst>
+            <pc:docMk/>
+            <pc:sldMk cId="2623279212" sldId="290"/>
+            <ac:spMk id="2" creationId="{AA8CFFA2-B1D4-4A39-866E-43417EC92739}"/>
+          </ac:spMkLst>
+        </pc:spChg>
+        <pc:spChg chg="mod">
+          <ac:chgData name="Anthony Ison" userId="05e2123d-4a75-4a36-98f5-af5ff9a95a0a" providerId="ADAL" clId="{CCDFCFE5-CCE3-46A7-B0BF-E2BB4E55C315}" dt="2019-10-06T03:02:14.989" v="69" actId="20577"/>
+          <ac:spMkLst>
+            <pc:docMk/>
+            <pc:sldMk cId="2623279212" sldId="290"/>
+            <ac:spMk id="3" creationId="{00000000-0000-0000-0000-000000000000}"/>
+          </ac:spMkLst>
+        </pc:spChg>
+        <pc:spChg chg="mod">
+          <ac:chgData name="Anthony Ison" userId="05e2123d-4a75-4a36-98f5-af5ff9a95a0a" providerId="ADAL" clId="{CCDFCFE5-CCE3-46A7-B0BF-E2BB4E55C315}" dt="2019-10-07T05:07:32.202" v="3759" actId="20577"/>
+          <ac:spMkLst>
+            <pc:docMk/>
+            <pc:sldMk cId="2623279212" sldId="290"/>
+            <ac:spMk id="4" creationId="{00000000-0000-0000-0000-000000000000}"/>
+          </ac:spMkLst>
+        </pc:spChg>
+        <pc:spChg chg="add del mod">
+          <ac:chgData name="Anthony Ison" userId="05e2123d-4a75-4a36-98f5-af5ff9a95a0a" providerId="ADAL" clId="{CCDFCFE5-CCE3-46A7-B0BF-E2BB4E55C315}" dt="2019-10-07T05:14:58.389" v="3780" actId="478"/>
+          <ac:spMkLst>
+            <pc:docMk/>
+            <pc:sldMk cId="2623279212" sldId="290"/>
+            <ac:spMk id="6" creationId="{A2B3EE00-A49F-4BD9-9FDD-B0FDA085BCF1}"/>
+          </ac:spMkLst>
+        </pc:spChg>
+        <pc:spChg chg="add del mod">
+          <ac:chgData name="Anthony Ison" userId="05e2123d-4a75-4a36-98f5-af5ff9a95a0a" providerId="ADAL" clId="{CCDFCFE5-CCE3-46A7-B0BF-E2BB4E55C315}" dt="2019-10-07T05:15:00.977" v="3781" actId="478"/>
+          <ac:spMkLst>
+            <pc:docMk/>
+            <pc:sldMk cId="2623279212" sldId="290"/>
+            <ac:spMk id="7" creationId="{249F84DB-23C9-43EE-9DA8-1B07D1FC718D}"/>
+          </ac:spMkLst>
+        </pc:spChg>
+        <pc:spChg chg="add del mod">
+          <ac:chgData name="Anthony Ison" userId="05e2123d-4a75-4a36-98f5-af5ff9a95a0a" providerId="ADAL" clId="{CCDFCFE5-CCE3-46A7-B0BF-E2BB4E55C315}" dt="2019-10-07T05:15:03.006" v="3782" actId="478"/>
+          <ac:spMkLst>
+            <pc:docMk/>
+            <pc:sldMk cId="2623279212" sldId="290"/>
+            <ac:spMk id="8" creationId="{73FE8B1D-AEF9-48EF-8748-443E0606E3D6}"/>
+          </ac:spMkLst>
+        </pc:spChg>
+        <pc:spChg chg="add mod">
+          <ac:chgData name="Anthony Ison" userId="05e2123d-4a75-4a36-98f5-af5ff9a95a0a" providerId="ADAL" clId="{CCDFCFE5-CCE3-46A7-B0BF-E2BB4E55C315}" dt="2019-10-06T02:09:11.559" v="12" actId="207"/>
+          <ac:spMkLst>
+            <pc:docMk/>
+            <pc:sldMk cId="2623279212" sldId="290"/>
+            <ac:spMk id="9" creationId="{0CB5B418-11CE-4576-AD23-4AC43E81BC7C}"/>
+          </ac:spMkLst>
+        </pc:spChg>
+        <pc:spChg chg="add mod">
+          <ac:chgData name="Anthony Ison" userId="05e2123d-4a75-4a36-98f5-af5ff9a95a0a" providerId="ADAL" clId="{CCDFCFE5-CCE3-46A7-B0BF-E2BB4E55C315}" dt="2019-10-07T05:16:06.395" v="3790" actId="1076"/>
+          <ac:spMkLst>
+            <pc:docMk/>
+            <pc:sldMk cId="2623279212" sldId="290"/>
+            <ac:spMk id="9" creationId="{AEF500DA-6D90-4425-AC8B-4F6506CCA37F}"/>
+          </ac:spMkLst>
+        </pc:spChg>
+        <pc:spChg chg="add mod">
+          <ac:chgData name="Anthony Ison" userId="05e2123d-4a75-4a36-98f5-af5ff9a95a0a" providerId="ADAL" clId="{CCDFCFE5-CCE3-46A7-B0BF-E2BB4E55C315}" dt="2019-10-07T05:17:57.817" v="3811" actId="20577"/>
+          <ac:spMkLst>
+            <pc:docMk/>
+            <pc:sldMk cId="2623279212" sldId="290"/>
+            <ac:spMk id="10" creationId="{269C892B-DF86-49EB-9992-3565936AAA05}"/>
+          </ac:spMkLst>
+        </pc:spChg>
+        <pc:spChg chg="add mod">
+          <ac:chgData name="Anthony Ison" userId="05e2123d-4a75-4a36-98f5-af5ff9a95a0a" providerId="ADAL" clId="{CCDFCFE5-CCE3-46A7-B0BF-E2BB4E55C315}" dt="2019-10-06T03:01:52.393" v="62" actId="6549"/>
+          <ac:spMkLst>
+            <pc:docMk/>
+            <pc:sldMk cId="2623279212" sldId="290"/>
+            <ac:spMk id="10" creationId="{B1BD6D8F-4FA5-4304-89E2-2CE85BB208C0}"/>
+          </ac:spMkLst>
+        </pc:spChg>
+        <pc:spChg chg="add mod">
+          <ac:chgData name="Anthony Ison" userId="05e2123d-4a75-4a36-98f5-af5ff9a95a0a" providerId="ADAL" clId="{CCDFCFE5-CCE3-46A7-B0BF-E2BB4E55C315}" dt="2019-10-07T05:16:06.395" v="3790" actId="1076"/>
+          <ac:spMkLst>
+            <pc:docMk/>
+            <pc:sldMk cId="2623279212" sldId="290"/>
+            <ac:spMk id="11" creationId="{3F1957AE-D48B-4946-A5D4-33C97606FEFC}"/>
+          </ac:spMkLst>
+        </pc:spChg>
+        <pc:spChg chg="add del">
+          <ac:chgData name="Anthony Ison" userId="05e2123d-4a75-4a36-98f5-af5ff9a95a0a" providerId="ADAL" clId="{CCDFCFE5-CCE3-46A7-B0BF-E2BB4E55C315}" dt="2019-10-06T02:09:52.570" v="16"/>
+          <ac:spMkLst>
+            <pc:docMk/>
+            <pc:sldMk cId="2623279212" sldId="290"/>
+            <ac:spMk id="11" creationId="{8ADD32D5-48EE-4B76-AF16-1DE437D8FD9E}"/>
+          </ac:spMkLst>
+        </pc:spChg>
+        <pc:spChg chg="add del">
+          <ac:chgData name="Anthony Ison" userId="05e2123d-4a75-4a36-98f5-af5ff9a95a0a" providerId="ADAL" clId="{CCDFCFE5-CCE3-46A7-B0BF-E2BB4E55C315}" dt="2019-10-06T02:09:52.570" v="16"/>
+          <ac:spMkLst>
+            <pc:docMk/>
+            <pc:sldMk cId="2623279212" sldId="290"/>
+            <ac:spMk id="12" creationId="{008A7D05-6A63-418B-9D21-460FB0BF3FFB}"/>
+          </ac:spMkLst>
+        </pc:spChg>
+        <pc:spChg chg="add mod">
+          <ac:chgData name="Anthony Ison" userId="05e2123d-4a75-4a36-98f5-af5ff9a95a0a" providerId="ADAL" clId="{CCDFCFE5-CCE3-46A7-B0BF-E2BB4E55C315}" dt="2019-10-07T05:18:03.243" v="3819" actId="20577"/>
+          <ac:spMkLst>
+            <pc:docMk/>
+            <pc:sldMk cId="2623279212" sldId="290"/>
+            <ac:spMk id="12" creationId="{28218AF5-3049-4132-89CF-4809369A67E6}"/>
+          </ac:spMkLst>
+        </pc:spChg>
+        <pc:spChg chg="add mod">
+          <ac:chgData name="Anthony Ison" userId="05e2123d-4a75-4a36-98f5-af5ff9a95a0a" providerId="ADAL" clId="{CCDFCFE5-CCE3-46A7-B0BF-E2BB4E55C315}" dt="2019-10-07T05:16:06.395" v="3790" actId="1076"/>
+          <ac:spMkLst>
+            <pc:docMk/>
+            <pc:sldMk cId="2623279212" sldId="290"/>
+            <ac:spMk id="13" creationId="{0DB0A013-F92D-4AF5-AD62-DAE3DC82B41F}"/>
+          </ac:spMkLst>
+        </pc:spChg>
+        <pc:spChg chg="add del">
+          <ac:chgData name="Anthony Ison" userId="05e2123d-4a75-4a36-98f5-af5ff9a95a0a" providerId="ADAL" clId="{CCDFCFE5-CCE3-46A7-B0BF-E2BB4E55C315}" dt="2019-10-06T02:09:52.570" v="16"/>
+          <ac:spMkLst>
+            <pc:docMk/>
+            <pc:sldMk cId="2623279212" sldId="290"/>
+            <ac:spMk id="13" creationId="{A7B67598-828E-4C8A-A66D-21D7A6F56B20}"/>
+          </ac:spMkLst>
+        </pc:spChg>
+        <pc:spChg chg="add mod">
+          <ac:chgData name="Anthony Ison" userId="05e2123d-4a75-4a36-98f5-af5ff9a95a0a" providerId="ADAL" clId="{CCDFCFE5-CCE3-46A7-B0BF-E2BB4E55C315}" dt="2019-10-07T05:18:27.297" v="3829" actId="20577"/>
+          <ac:spMkLst>
+            <pc:docMk/>
+            <pc:sldMk cId="2623279212" sldId="290"/>
+            <ac:spMk id="14" creationId="{4058AF0B-ACBD-4776-873A-6C87BF0D0558}"/>
+          </ac:spMkLst>
+        </pc:spChg>
+        <pc:spChg chg="add del">
+          <ac:chgData name="Anthony Ison" userId="05e2123d-4a75-4a36-98f5-af5ff9a95a0a" providerId="ADAL" clId="{CCDFCFE5-CCE3-46A7-B0BF-E2BB4E55C315}" dt="2019-10-06T02:09:52.570" v="16"/>
+          <ac:spMkLst>
+            <pc:docMk/>
+            <pc:sldMk cId="2623279212" sldId="290"/>
+            <ac:spMk id="14" creationId="{5756A1D0-B35C-4EA9-A41A-FDF51A14730F}"/>
+          </ac:spMkLst>
+        </pc:spChg>
+        <pc:spChg chg="add mod">
+          <ac:chgData name="Anthony Ison" userId="05e2123d-4a75-4a36-98f5-af5ff9a95a0a" providerId="ADAL" clId="{CCDFCFE5-CCE3-46A7-B0BF-E2BB4E55C315}" dt="2019-10-07T05:16:06.395" v="3790" actId="1076"/>
+          <ac:spMkLst>
+            <pc:docMk/>
+            <pc:sldMk cId="2623279212" sldId="290"/>
+            <ac:spMk id="15" creationId="{0610F339-687D-45F4-840F-9064F4AE02AE}"/>
+          </ac:spMkLst>
+        </pc:spChg>
+        <pc:spChg chg="add mod">
+          <ac:chgData name="Anthony Ison" userId="05e2123d-4a75-4a36-98f5-af5ff9a95a0a" providerId="ADAL" clId="{CCDFCFE5-CCE3-46A7-B0BF-E2BB4E55C315}" dt="2019-10-06T02:28:17.274" v="33" actId="20577"/>
+          <ac:spMkLst>
+            <pc:docMk/>
+            <pc:sldMk cId="2623279212" sldId="290"/>
+            <ac:spMk id="15" creationId="{8B447748-363B-4742-A579-2A8CCCE87FCE}"/>
+          </ac:spMkLst>
+        </pc:spChg>
+        <pc:spChg chg="add mod">
+          <ac:chgData name="Anthony Ison" userId="05e2123d-4a75-4a36-98f5-af5ff9a95a0a" providerId="ADAL" clId="{CCDFCFE5-CCE3-46A7-B0BF-E2BB4E55C315}" dt="2019-10-06T03:01:17.416" v="60" actId="6549"/>
+          <ac:spMkLst>
+            <pc:docMk/>
+            <pc:sldMk cId="2623279212" sldId="290"/>
+            <ac:spMk id="16" creationId="{10920A2F-2366-4C6B-98EF-76DF131DE896}"/>
+          </ac:spMkLst>
+        </pc:spChg>
+      </pc:sldChg>
+      <pc:sldChg chg="modSp modAnim">
+        <pc:chgData name="Anthony Ison" userId="05e2123d-4a75-4a36-98f5-af5ff9a95a0a" providerId="ADAL" clId="{CCDFCFE5-CCE3-46A7-B0BF-E2BB4E55C315}" dt="2019-10-07T02:16:14.137" v="3202" actId="20577"/>
+        <pc:sldMkLst>
+          <pc:docMk/>
+          <pc:sldMk cId="2682844068" sldId="291"/>
+        </pc:sldMkLst>
+        <pc:spChg chg="mod">
+          <ac:chgData name="Anthony Ison" userId="05e2123d-4a75-4a36-98f5-af5ff9a95a0a" providerId="ADAL" clId="{CCDFCFE5-CCE3-46A7-B0BF-E2BB4E55C315}" dt="2019-10-07T02:15:31.342" v="3194" actId="20577"/>
+          <ac:spMkLst>
+            <pc:docMk/>
+            <pc:sldMk cId="2682844068" sldId="291"/>
+            <ac:spMk id="3" creationId="{00000000-0000-0000-0000-000000000000}"/>
+          </ac:spMkLst>
+        </pc:spChg>
+        <pc:spChg chg="mod">
+          <ac:chgData name="Anthony Ison" userId="05e2123d-4a75-4a36-98f5-af5ff9a95a0a" providerId="ADAL" clId="{CCDFCFE5-CCE3-46A7-B0BF-E2BB4E55C315}" dt="2019-10-07T02:16:14.137" v="3202" actId="20577"/>
+          <ac:spMkLst>
+            <pc:docMk/>
+            <pc:sldMk cId="2682844068" sldId="291"/>
+            <ac:spMk id="4" creationId="{00000000-0000-0000-0000-000000000000}"/>
+          </ac:spMkLst>
+        </pc:spChg>
+      </pc:sldChg>
+      <pc:sldChg chg="add">
+        <pc:chgData name="Anthony Ison" userId="05e2123d-4a75-4a36-98f5-af5ff9a95a0a" providerId="ADAL" clId="{CCDFCFE5-CCE3-46A7-B0BF-E2BB4E55C315}" dt="2019-10-06T01:46:26.303" v="0"/>
+        <pc:sldMkLst>
+          <pc:docMk/>
+          <pc:sldMk cId="3802701154" sldId="292"/>
+        </pc:sldMkLst>
+      </pc:sldChg>
+      <pc:sldChg chg="modSp add ord">
+        <pc:chgData name="Anthony Ison" userId="05e2123d-4a75-4a36-98f5-af5ff9a95a0a" providerId="ADAL" clId="{CCDFCFE5-CCE3-46A7-B0BF-E2BB4E55C315}" dt="2019-10-07T01:41:49.004" v="2690" actId="20577"/>
+        <pc:sldMkLst>
+          <pc:docMk/>
+          <pc:sldMk cId="1283769529" sldId="293"/>
+        </pc:sldMkLst>
+        <pc:spChg chg="mod">
+          <ac:chgData name="Anthony Ison" userId="05e2123d-4a75-4a36-98f5-af5ff9a95a0a" providerId="ADAL" clId="{CCDFCFE5-CCE3-46A7-B0BF-E2BB4E55C315}" dt="2019-10-06T11:12:32.933" v="1317" actId="20577"/>
+          <ac:spMkLst>
+            <pc:docMk/>
+            <pc:sldMk cId="1283769529" sldId="293"/>
+            <ac:spMk id="3" creationId="{00000000-0000-0000-0000-000000000000}"/>
+          </ac:spMkLst>
+        </pc:spChg>
+        <pc:spChg chg="mod">
+          <ac:chgData name="Anthony Ison" userId="05e2123d-4a75-4a36-98f5-af5ff9a95a0a" providerId="ADAL" clId="{CCDFCFE5-CCE3-46A7-B0BF-E2BB4E55C315}" dt="2019-10-07T01:41:49.004" v="2690" actId="20577"/>
+          <ac:spMkLst>
+            <pc:docMk/>
+            <pc:sldMk cId="1283769529" sldId="293"/>
+            <ac:spMk id="4" creationId="{00000000-0000-0000-0000-000000000000}"/>
+          </ac:spMkLst>
+        </pc:spChg>
+      </pc:sldChg>
+      <pc:sldChg chg="add modAnim">
+        <pc:chgData name="Anthony Ison" userId="05e2123d-4a75-4a36-98f5-af5ff9a95a0a" providerId="ADAL" clId="{CCDFCFE5-CCE3-46A7-B0BF-E2BB4E55C315}" dt="2019-10-07T01:25:15.601" v="2402"/>
+        <pc:sldMkLst>
+          <pc:docMk/>
+          <pc:sldMk cId="2207716874" sldId="294"/>
+        </pc:sldMkLst>
+      </pc:sldChg>
+      <pc:sldChg chg="add ord">
+        <pc:chgData name="Anthony Ison" userId="05e2123d-4a75-4a36-98f5-af5ff9a95a0a" providerId="ADAL" clId="{CCDFCFE5-CCE3-46A7-B0BF-E2BB4E55C315}" dt="2019-10-06T11:44:41.605" v="1386"/>
+        <pc:sldMkLst>
+          <pc:docMk/>
+          <pc:sldMk cId="4192690024" sldId="295"/>
+        </pc:sldMkLst>
+      </pc:sldChg>
+      <pc:sldChg chg="addSp delSp modSp add modAnim">
+        <pc:chgData name="Anthony Ison" userId="05e2123d-4a75-4a36-98f5-af5ff9a95a0a" providerId="ADAL" clId="{CCDFCFE5-CCE3-46A7-B0BF-E2BB4E55C315}" dt="2019-10-07T05:30:05.427" v="3917"/>
+        <pc:sldMkLst>
+          <pc:docMk/>
+          <pc:sldMk cId="1970553345" sldId="296"/>
+        </pc:sldMkLst>
+        <pc:spChg chg="add mod">
+          <ac:chgData name="Anthony Ison" userId="05e2123d-4a75-4a36-98f5-af5ff9a95a0a" providerId="ADAL" clId="{CCDFCFE5-CCE3-46A7-B0BF-E2BB4E55C315}" dt="2019-10-06T05:39:01.124" v="255" actId="20577"/>
+          <ac:spMkLst>
+            <pc:docMk/>
+            <pc:sldMk cId="1970553345" sldId="296"/>
+            <ac:spMk id="2" creationId="{FEB41DC0-018F-4737-8CA0-9DCE9A728BE7}"/>
+          </ac:spMkLst>
+        </pc:spChg>
+        <pc:spChg chg="mod">
+          <ac:chgData name="Anthony Ison" userId="05e2123d-4a75-4a36-98f5-af5ff9a95a0a" providerId="ADAL" clId="{CCDFCFE5-CCE3-46A7-B0BF-E2BB4E55C315}" dt="2019-10-07T05:29:38.592" v="3913" actId="1076"/>
+          <ac:spMkLst>
+            <pc:docMk/>
+            <pc:sldMk cId="1970553345" sldId="296"/>
+            <ac:spMk id="3" creationId="{00000000-0000-0000-0000-000000000000}"/>
+          </ac:spMkLst>
+        </pc:spChg>
+        <pc:spChg chg="mod">
+          <ac:chgData name="Anthony Ison" userId="05e2123d-4a75-4a36-98f5-af5ff9a95a0a" providerId="ADAL" clId="{CCDFCFE5-CCE3-46A7-B0BF-E2BB4E55C315}" dt="2019-10-06T05:37:58.319" v="230" actId="20577"/>
+          <ac:spMkLst>
+            <pc:docMk/>
+            <pc:sldMk cId="1970553345" sldId="296"/>
+            <ac:spMk id="4" creationId="{00000000-0000-0000-0000-000000000000}"/>
+          </ac:spMkLst>
+        </pc:spChg>
+        <pc:spChg chg="add mod">
+          <ac:chgData name="Anthony Ison" userId="05e2123d-4a75-4a36-98f5-af5ff9a95a0a" providerId="ADAL" clId="{CCDFCFE5-CCE3-46A7-B0BF-E2BB4E55C315}" dt="2019-10-07T05:29:45.484" v="3915" actId="1076"/>
+          <ac:spMkLst>
+            <pc:docMk/>
+            <pc:sldMk cId="1970553345" sldId="296"/>
+            <ac:spMk id="6" creationId="{ADC1708E-C40E-4787-A44F-FB149187A44B}"/>
+          </ac:spMkLst>
+        </pc:spChg>
+        <pc:spChg chg="add mod">
+          <ac:chgData name="Anthony Ison" userId="05e2123d-4a75-4a36-98f5-af5ff9a95a0a" providerId="ADAL" clId="{CCDFCFE5-CCE3-46A7-B0BF-E2BB4E55C315}" dt="2019-10-06T05:40:49.346" v="268" actId="1076"/>
+          <ac:spMkLst>
+            <pc:docMk/>
+            <pc:sldMk cId="1970553345" sldId="296"/>
+            <ac:spMk id="7" creationId="{D2547C04-B45A-4045-B0B0-078F2033822F}"/>
+          </ac:spMkLst>
+        </pc:spChg>
+        <pc:spChg chg="add mod">
+          <ac:chgData name="Anthony Ison" userId="05e2123d-4a75-4a36-98f5-af5ff9a95a0a" providerId="ADAL" clId="{CCDFCFE5-CCE3-46A7-B0BF-E2BB4E55C315}" dt="2019-10-06T05:43:01.206" v="296" actId="207"/>
+          <ac:spMkLst>
+            <pc:docMk/>
+            <pc:sldMk cId="1970553345" sldId="296"/>
+            <ac:spMk id="8" creationId="{4650DF12-46E2-4C78-A175-A425F37652A3}"/>
+          </ac:spMkLst>
+        </pc:spChg>
+        <pc:spChg chg="add del mod">
+          <ac:chgData name="Anthony Ison" userId="05e2123d-4a75-4a36-98f5-af5ff9a95a0a" providerId="ADAL" clId="{CCDFCFE5-CCE3-46A7-B0BF-E2BB4E55C315}" dt="2019-10-06T05:42:08.171" v="284" actId="478"/>
+          <ac:spMkLst>
+            <pc:docMk/>
+            <pc:sldMk cId="1970553345" sldId="296"/>
+            <ac:spMk id="9" creationId="{3D9F4B3C-0698-4265-A7F4-6EFB6D7AA2D3}"/>
+          </ac:spMkLst>
+        </pc:spChg>
+        <pc:spChg chg="add mod">
+          <ac:chgData name="Anthony Ison" userId="05e2123d-4a75-4a36-98f5-af5ff9a95a0a" providerId="ADAL" clId="{CCDFCFE5-CCE3-46A7-B0BF-E2BB4E55C315}" dt="2019-10-06T05:42:38.535" v="294" actId="207"/>
+          <ac:spMkLst>
+            <pc:docMk/>
+            <pc:sldMk cId="1970553345" sldId="296"/>
+            <ac:spMk id="10" creationId="{F0666633-5CEA-4DAF-BF92-F715C5E43600}"/>
+          </ac:spMkLst>
+        </pc:spChg>
+      </pc:sldChg>
+      <pc:sldChg chg="modSp add del">
+        <pc:chgData name="Anthony Ison" userId="05e2123d-4a75-4a36-98f5-af5ff9a95a0a" providerId="ADAL" clId="{CCDFCFE5-CCE3-46A7-B0BF-E2BB4E55C315}" dt="2019-10-06T05:43:13.761" v="297" actId="2696"/>
+        <pc:sldMkLst>
+          <pc:docMk/>
+          <pc:sldMk cId="3332810996" sldId="297"/>
+        </pc:sldMkLst>
+        <pc:spChg chg="mod">
+          <ac:chgData name="Anthony Ison" userId="05e2123d-4a75-4a36-98f5-af5ff9a95a0a" providerId="ADAL" clId="{CCDFCFE5-CCE3-46A7-B0BF-E2BB4E55C315}" dt="2019-10-06T05:36:29.346" v="228" actId="20577"/>
+          <ac:spMkLst>
+            <pc:docMk/>
+            <pc:sldMk cId="3332810996" sldId="297"/>
+            <ac:spMk id="3" creationId="{00000000-0000-0000-0000-000000000000}"/>
+          </ac:spMkLst>
+        </pc:spChg>
+      </pc:sldChg>
+      <pc:sldChg chg="modSp add modAnim">
+        <pc:chgData name="Anthony Ison" userId="05e2123d-4a75-4a36-98f5-af5ff9a95a0a" providerId="ADAL" clId="{CCDFCFE5-CCE3-46A7-B0BF-E2BB4E55C315}" dt="2019-10-07T05:31:33.827" v="3919"/>
+        <pc:sldMkLst>
+          <pc:docMk/>
+          <pc:sldMk cId="3815319428" sldId="297"/>
+        </pc:sldMkLst>
+        <pc:spChg chg="mod">
+          <ac:chgData name="Anthony Ison" userId="05e2123d-4a75-4a36-98f5-af5ff9a95a0a" providerId="ADAL" clId="{CCDFCFE5-CCE3-46A7-B0BF-E2BB4E55C315}" dt="2019-10-06T05:43:23.202" v="302" actId="20577"/>
+          <ac:spMkLst>
+            <pc:docMk/>
+            <pc:sldMk cId="3815319428" sldId="297"/>
+            <ac:spMk id="3" creationId="{00000000-0000-0000-0000-000000000000}"/>
+          </ac:spMkLst>
+        </pc:spChg>
+        <pc:spChg chg="mod">
+          <ac:chgData name="Anthony Ison" userId="05e2123d-4a75-4a36-98f5-af5ff9a95a0a" providerId="ADAL" clId="{CCDFCFE5-CCE3-46A7-B0BF-E2BB4E55C315}" dt="2019-10-06T05:43:38.085" v="311" actId="20577"/>
+          <ac:spMkLst>
+            <pc:docMk/>
+            <pc:sldMk cId="3815319428" sldId="297"/>
+            <ac:spMk id="4" creationId="{00000000-0000-0000-0000-000000000000}"/>
+          </ac:spMkLst>
+        </pc:spChg>
+        <pc:spChg chg="mod">
+          <ac:chgData name="Anthony Ison" userId="05e2123d-4a75-4a36-98f5-af5ff9a95a0a" providerId="ADAL" clId="{CCDFCFE5-CCE3-46A7-B0BF-E2BB4E55C315}" dt="2019-10-06T05:43:51.339" v="315" actId="20577"/>
+          <ac:spMkLst>
+            <pc:docMk/>
+            <pc:sldMk cId="3815319428" sldId="297"/>
+            <ac:spMk id="8" creationId="{4650DF12-46E2-4C78-A175-A425F37652A3}"/>
+          </ac:spMkLst>
+        </pc:spChg>
+        <pc:spChg chg="mod">
+          <ac:chgData name="Anthony Ison" userId="05e2123d-4a75-4a36-98f5-af5ff9a95a0a" providerId="ADAL" clId="{CCDFCFE5-CCE3-46A7-B0BF-E2BB4E55C315}" dt="2019-10-06T05:43:56.772" v="317" actId="20577"/>
+          <ac:spMkLst>
+            <pc:docMk/>
+            <pc:sldMk cId="3815319428" sldId="297"/>
+            <ac:spMk id="10" creationId="{F0666633-5CEA-4DAF-BF92-F715C5E43600}"/>
+          </ac:spMkLst>
+        </pc:spChg>
+      </pc:sldChg>
+      <pc:sldChg chg="addSp delSp modSp add delAnim modAnim">
+        <pc:chgData name="Anthony Ison" userId="05e2123d-4a75-4a36-98f5-af5ff9a95a0a" providerId="ADAL" clId="{CCDFCFE5-CCE3-46A7-B0BF-E2BB4E55C315}" dt="2019-10-07T05:55:07.414" v="3993" actId="478"/>
+        <pc:sldMkLst>
+          <pc:docMk/>
+          <pc:sldMk cId="1912879249" sldId="298"/>
+        </pc:sldMkLst>
+        <pc:spChg chg="mod">
+          <ac:chgData name="Anthony Ison" userId="05e2123d-4a75-4a36-98f5-af5ff9a95a0a" providerId="ADAL" clId="{CCDFCFE5-CCE3-46A7-B0BF-E2BB4E55C315}" dt="2019-10-07T05:44:48.686" v="3943" actId="20577"/>
+          <ac:spMkLst>
+            <pc:docMk/>
+            <pc:sldMk cId="1912879249" sldId="298"/>
+            <ac:spMk id="3" creationId="{00000000-0000-0000-0000-000000000000}"/>
+          </ac:spMkLst>
+        </pc:spChg>
+        <pc:spChg chg="mod">
+          <ac:chgData name="Anthony Ison" userId="05e2123d-4a75-4a36-98f5-af5ff9a95a0a" providerId="ADAL" clId="{CCDFCFE5-CCE3-46A7-B0BF-E2BB4E55C315}" dt="2019-10-07T05:54:42.333" v="3974" actId="313"/>
+          <ac:spMkLst>
+            <pc:docMk/>
+            <pc:sldMk cId="1912879249" sldId="298"/>
+            <ac:spMk id="4" creationId="{00000000-0000-0000-0000-000000000000}"/>
+          </ac:spMkLst>
+        </pc:spChg>
+        <pc:spChg chg="mod">
+          <ac:chgData name="Anthony Ison" userId="05e2123d-4a75-4a36-98f5-af5ff9a95a0a" providerId="ADAL" clId="{CCDFCFE5-CCE3-46A7-B0BF-E2BB4E55C315}" dt="2019-10-06T05:46:53.605" v="359" actId="1076"/>
+          <ac:spMkLst>
+            <pc:docMk/>
+            <pc:sldMk cId="1912879249" sldId="298"/>
+            <ac:spMk id="7" creationId="{D2547C04-B45A-4045-B0B0-078F2033822F}"/>
+          </ac:spMkLst>
+        </pc:spChg>
+        <pc:spChg chg="mod">
+          <ac:chgData name="Anthony Ison" userId="05e2123d-4a75-4a36-98f5-af5ff9a95a0a" providerId="ADAL" clId="{CCDFCFE5-CCE3-46A7-B0BF-E2BB4E55C315}" dt="2019-10-07T05:54:58.042" v="3992" actId="20577"/>
+          <ac:spMkLst>
+            <pc:docMk/>
+            <pc:sldMk cId="1912879249" sldId="298"/>
+            <ac:spMk id="8" creationId="{4650DF12-46E2-4C78-A175-A425F37652A3}"/>
+          </ac:spMkLst>
+        </pc:spChg>
+        <pc:spChg chg="add del">
+          <ac:chgData name="Anthony Ison" userId="05e2123d-4a75-4a36-98f5-af5ff9a95a0a" providerId="ADAL" clId="{CCDFCFE5-CCE3-46A7-B0BF-E2BB4E55C315}" dt="2019-10-07T02:54:53.403" v="3204"/>
+          <ac:spMkLst>
+            <pc:docMk/>
+            <pc:sldMk cId="1912879249" sldId="298"/>
+            <ac:spMk id="9" creationId="{F23C8276-116F-4A25-B7E0-D158FCB471FB}"/>
+          </ac:spMkLst>
+        </pc:spChg>
+        <pc:spChg chg="mod">
+          <ac:chgData name="Anthony Ison" userId="05e2123d-4a75-4a36-98f5-af5ff9a95a0a" providerId="ADAL" clId="{CCDFCFE5-CCE3-46A7-B0BF-E2BB4E55C315}" dt="2019-10-07T05:50:30.489" v="3959" actId="20577"/>
+          <ac:spMkLst>
+            <pc:docMk/>
+            <pc:sldMk cId="1912879249" sldId="298"/>
+            <ac:spMk id="10" creationId="{F0666633-5CEA-4DAF-BF92-F715C5E43600}"/>
+          </ac:spMkLst>
+        </pc:spChg>
+        <pc:spChg chg="add del mod">
+          <ac:chgData name="Anthony Ison" userId="05e2123d-4a75-4a36-98f5-af5ff9a95a0a" providerId="ADAL" clId="{CCDFCFE5-CCE3-46A7-B0BF-E2BB4E55C315}" dt="2019-10-06T12:00:54.904" v="1485" actId="478"/>
+          <ac:spMkLst>
+            <pc:docMk/>
+            <pc:sldMk cId="1912879249" sldId="298"/>
+            <ac:spMk id="11" creationId="{FE64AAC0-3B5E-4709-B626-98C3B874D56D}"/>
+          </ac:spMkLst>
+        </pc:spChg>
+        <pc:spChg chg="add del mod">
+          <ac:chgData name="Anthony Ison" userId="05e2123d-4a75-4a36-98f5-af5ff9a95a0a" providerId="ADAL" clId="{CCDFCFE5-CCE3-46A7-B0BF-E2BB4E55C315}" dt="2019-10-06T12:00:59.096" v="1486" actId="478"/>
+          <ac:spMkLst>
+            <pc:docMk/>
+            <pc:sldMk cId="1912879249" sldId="298"/>
+            <ac:spMk id="12" creationId="{B1C785C2-F1AF-41F2-BCBA-5AEEB38903BA}"/>
+          </ac:spMkLst>
+        </pc:spChg>
+        <pc:spChg chg="add del mod">
+          <ac:chgData name="Anthony Ison" userId="05e2123d-4a75-4a36-98f5-af5ff9a95a0a" providerId="ADAL" clId="{CCDFCFE5-CCE3-46A7-B0BF-E2BB4E55C315}" dt="2019-10-06T12:01:01.722" v="1487" actId="478"/>
+          <ac:spMkLst>
+            <pc:docMk/>
+            <pc:sldMk cId="1912879249" sldId="298"/>
+            <ac:spMk id="13" creationId="{DDA26E35-5E62-4720-B2E7-CEC07B83A1C7}"/>
+          </ac:spMkLst>
+        </pc:spChg>
+        <pc:spChg chg="add del mod">
+          <ac:chgData name="Anthony Ison" userId="05e2123d-4a75-4a36-98f5-af5ff9a95a0a" providerId="ADAL" clId="{CCDFCFE5-CCE3-46A7-B0BF-E2BB4E55C315}" dt="2019-10-07T05:55:07.414" v="3993" actId="478"/>
+          <ac:spMkLst>
+            <pc:docMk/>
+            <pc:sldMk cId="1912879249" sldId="298"/>
+            <ac:spMk id="14" creationId="{0BC3C2D3-0883-4EF8-9F59-FC0821B34F4C}"/>
+          </ac:spMkLst>
+        </pc:spChg>
+        <pc:spChg chg="add del mod">
+          <ac:chgData name="Anthony Ison" userId="05e2123d-4a75-4a36-98f5-af5ff9a95a0a" providerId="ADAL" clId="{CCDFCFE5-CCE3-46A7-B0BF-E2BB4E55C315}" dt="2019-10-07T05:55:07.414" v="3993" actId="478"/>
+          <ac:spMkLst>
+            <pc:docMk/>
+            <pc:sldMk cId="1912879249" sldId="298"/>
+            <ac:spMk id="15" creationId="{D5BE4867-F8FD-43F6-A498-7F83845F4F62}"/>
+          </ac:spMkLst>
+        </pc:spChg>
+        <pc:spChg chg="add del mod">
+          <ac:chgData name="Anthony Ison" userId="05e2123d-4a75-4a36-98f5-af5ff9a95a0a" providerId="ADAL" clId="{CCDFCFE5-CCE3-46A7-B0BF-E2BB4E55C315}" dt="2019-10-07T05:55:07.414" v="3993" actId="478"/>
+          <ac:spMkLst>
+            <pc:docMk/>
+            <pc:sldMk cId="1912879249" sldId="298"/>
+            <ac:spMk id="16" creationId="{33C69BF4-6BE6-4C6B-90E7-9DA583912BFD}"/>
+          </ac:spMkLst>
+        </pc:spChg>
+      </pc:sldChg>
+      <pc:sldChg chg="modSp add ord modTransition modAnim">
+        <pc:chgData name="Anthony Ison" userId="05e2123d-4a75-4a36-98f5-af5ff9a95a0a" providerId="ADAL" clId="{CCDFCFE5-CCE3-46A7-B0BF-E2BB4E55C315}" dt="2019-10-07T03:37:24.782" v="3549" actId="6549"/>
+        <pc:sldMkLst>
+          <pc:docMk/>
+          <pc:sldMk cId="3625905227" sldId="299"/>
+        </pc:sldMkLst>
+        <pc:spChg chg="mod">
+          <ac:chgData name="Anthony Ison" userId="05e2123d-4a75-4a36-98f5-af5ff9a95a0a" providerId="ADAL" clId="{CCDFCFE5-CCE3-46A7-B0BF-E2BB4E55C315}" dt="2019-10-06T05:57:29.922" v="416" actId="20577"/>
+          <ac:spMkLst>
+            <pc:docMk/>
+            <pc:sldMk cId="3625905227" sldId="299"/>
+            <ac:spMk id="6" creationId="{00000000-0000-0000-0000-000000000000}"/>
+          </ac:spMkLst>
+        </pc:spChg>
+        <pc:spChg chg="mod">
+          <ac:chgData name="Anthony Ison" userId="05e2123d-4a75-4a36-98f5-af5ff9a95a0a" providerId="ADAL" clId="{CCDFCFE5-CCE3-46A7-B0BF-E2BB4E55C315}" dt="2019-10-07T01:34:25.794" v="2583"/>
+          <ac:spMkLst>
+            <pc:docMk/>
+            <pc:sldMk cId="3625905227" sldId="299"/>
+            <ac:spMk id="7" creationId="{00000000-0000-0000-0000-000000000000}"/>
+          </ac:spMkLst>
+        </pc:spChg>
+        <pc:spChg chg="mod">
+          <ac:chgData name="Anthony Ison" userId="05e2123d-4a75-4a36-98f5-af5ff9a95a0a" providerId="ADAL" clId="{CCDFCFE5-CCE3-46A7-B0BF-E2BB4E55C315}" dt="2019-10-07T03:37:24.782" v="3549" actId="6549"/>
+          <ac:spMkLst>
+            <pc:docMk/>
+            <pc:sldMk cId="3625905227" sldId="299"/>
+            <ac:spMk id="8" creationId="{00000000-0000-0000-0000-000000000000}"/>
+          </ac:spMkLst>
+        </pc:spChg>
+      </pc:sldChg>
+      <pc:sldChg chg="addSp delSp modSp add ord modAnim">
+        <pc:chgData name="Anthony Ison" userId="05e2123d-4a75-4a36-98f5-af5ff9a95a0a" providerId="ADAL" clId="{CCDFCFE5-CCE3-46A7-B0BF-E2BB4E55C315}" dt="2019-10-07T00:22:45.531" v="2171"/>
+        <pc:sldMkLst>
+          <pc:docMk/>
+          <pc:sldMk cId="1106160201" sldId="300"/>
+        </pc:sldMkLst>
+        <pc:spChg chg="del">
+          <ac:chgData name="Anthony Ison" userId="05e2123d-4a75-4a36-98f5-af5ff9a95a0a" providerId="ADAL" clId="{CCDFCFE5-CCE3-46A7-B0BF-E2BB4E55C315}" dt="2019-10-06T06:20:35.504" v="688" actId="478"/>
+          <ac:spMkLst>
+            <pc:docMk/>
+            <pc:sldMk cId="1106160201" sldId="300"/>
+            <ac:spMk id="2" creationId="{6819A07E-A1CE-4F90-8D3C-52C9C335DC34}"/>
+          </ac:spMkLst>
+        </pc:spChg>
+        <pc:spChg chg="mod">
+          <ac:chgData name="Anthony Ison" userId="05e2123d-4a75-4a36-98f5-af5ff9a95a0a" providerId="ADAL" clId="{CCDFCFE5-CCE3-46A7-B0BF-E2BB4E55C315}" dt="2019-10-07T00:18:57.289" v="2151" actId="20577"/>
+          <ac:spMkLst>
+            <pc:docMk/>
+            <pc:sldMk cId="1106160201" sldId="300"/>
+            <ac:spMk id="3" creationId="{00000000-0000-0000-0000-000000000000}"/>
+          </ac:spMkLst>
+        </pc:spChg>
+        <pc:spChg chg="del">
+          <ac:chgData name="Anthony Ison" userId="05e2123d-4a75-4a36-98f5-af5ff9a95a0a" providerId="ADAL" clId="{CCDFCFE5-CCE3-46A7-B0BF-E2BB4E55C315}" dt="2019-10-06T06:20:35.504" v="688" actId="478"/>
+          <ac:spMkLst>
+            <pc:docMk/>
+            <pc:sldMk cId="1106160201" sldId="300"/>
+            <ac:spMk id="6" creationId="{63F21F79-B632-402D-BFF1-9A622FF284BE}"/>
+          </ac:spMkLst>
+        </pc:spChg>
+        <pc:spChg chg="del">
+          <ac:chgData name="Anthony Ison" userId="05e2123d-4a75-4a36-98f5-af5ff9a95a0a" providerId="ADAL" clId="{CCDFCFE5-CCE3-46A7-B0BF-E2BB4E55C315}" dt="2019-10-06T06:20:35.504" v="688" actId="478"/>
+          <ac:spMkLst>
+            <pc:docMk/>
+            <pc:sldMk cId="1106160201" sldId="300"/>
+            <ac:spMk id="7" creationId="{D7E7F01B-A31A-46A3-85B4-BB397CBDC265}"/>
+          </ac:spMkLst>
+        </pc:spChg>
+        <pc:spChg chg="del">
+          <ac:chgData name="Anthony Ison" userId="05e2123d-4a75-4a36-98f5-af5ff9a95a0a" providerId="ADAL" clId="{CCDFCFE5-CCE3-46A7-B0BF-E2BB4E55C315}" dt="2019-10-06T06:20:35.504" v="688" actId="478"/>
+          <ac:spMkLst>
+            <pc:docMk/>
+            <pc:sldMk cId="1106160201" sldId="300"/>
+            <ac:spMk id="8" creationId="{AAEC686B-2E4F-4802-9405-0C27C7C02FD4}"/>
+          </ac:spMkLst>
+        </pc:spChg>
+        <pc:spChg chg="del">
+          <ac:chgData name="Anthony Ison" userId="05e2123d-4a75-4a36-98f5-af5ff9a95a0a" providerId="ADAL" clId="{CCDFCFE5-CCE3-46A7-B0BF-E2BB4E55C315}" dt="2019-10-06T06:20:35.504" v="688" actId="478"/>
+          <ac:spMkLst>
+            <pc:docMk/>
+            <pc:sldMk cId="1106160201" sldId="300"/>
+            <ac:spMk id="10" creationId="{BF886391-6300-4A34-A686-6E14C196C54A}"/>
+          </ac:spMkLst>
+        </pc:spChg>
+        <pc:spChg chg="del">
+          <ac:chgData name="Anthony Ison" userId="05e2123d-4a75-4a36-98f5-af5ff9a95a0a" providerId="ADAL" clId="{CCDFCFE5-CCE3-46A7-B0BF-E2BB4E55C315}" dt="2019-10-06T06:21:23.638" v="693" actId="478"/>
+          <ac:spMkLst>
+            <pc:docMk/>
+            <pc:sldMk cId="1106160201" sldId="300"/>
+            <ac:spMk id="11" creationId="{A340452C-00D2-4808-94C4-AF8CA6E9FF58}"/>
+          </ac:spMkLst>
+        </pc:spChg>
+        <pc:spChg chg="del mod">
+          <ac:chgData name="Anthony Ison" userId="05e2123d-4a75-4a36-98f5-af5ff9a95a0a" providerId="ADAL" clId="{CCDFCFE5-CCE3-46A7-B0BF-E2BB4E55C315}" dt="2019-10-06T06:21:21.471" v="692" actId="478"/>
+          <ac:spMkLst>
+            <pc:docMk/>
+            <pc:sldMk cId="1106160201" sldId="300"/>
+            <ac:spMk id="12" creationId="{EB85D80C-7F04-40D4-A76A-FDB26026039C}"/>
+          </ac:spMkLst>
+        </pc:spChg>
+        <pc:spChg chg="del">
+          <ac:chgData name="Anthony Ison" userId="05e2123d-4a75-4a36-98f5-af5ff9a95a0a" providerId="ADAL" clId="{CCDFCFE5-CCE3-46A7-B0BF-E2BB4E55C315}" dt="2019-10-06T06:20:35.504" v="688" actId="478"/>
+          <ac:spMkLst>
+            <pc:docMk/>
+            <pc:sldMk cId="1106160201" sldId="300"/>
+            <ac:spMk id="13" creationId="{D2D6E4A3-0746-43A6-9D02-7CF4451B9ABC}"/>
+          </ac:spMkLst>
+        </pc:spChg>
+        <pc:spChg chg="del">
+          <ac:chgData name="Anthony Ison" userId="05e2123d-4a75-4a36-98f5-af5ff9a95a0a" providerId="ADAL" clId="{CCDFCFE5-CCE3-46A7-B0BF-E2BB4E55C315}" dt="2019-10-06T06:20:35.504" v="688" actId="478"/>
+          <ac:spMkLst>
+            <pc:docMk/>
+            <pc:sldMk cId="1106160201" sldId="300"/>
+            <ac:spMk id="14" creationId="{ADED1640-5C95-42E2-9C75-7102F4D0E6C7}"/>
+          </ac:spMkLst>
+        </pc:spChg>
+        <pc:spChg chg="add del mod">
+          <ac:chgData name="Anthony Ison" userId="05e2123d-4a75-4a36-98f5-af5ff9a95a0a" providerId="ADAL" clId="{CCDFCFE5-CCE3-46A7-B0BF-E2BB4E55C315}" dt="2019-10-06T06:21:28.500" v="694" actId="478"/>
+          <ac:spMkLst>
+            <pc:docMk/>
+            <pc:sldMk cId="1106160201" sldId="300"/>
+            <ac:spMk id="15" creationId="{964372EC-27C0-4442-B1FA-7A3B85D5FCEF}"/>
+          </ac:spMkLst>
+        </pc:spChg>
+        <pc:spChg chg="add del mod">
+          <ac:chgData name="Anthony Ison" userId="05e2123d-4a75-4a36-98f5-af5ff9a95a0a" providerId="ADAL" clId="{CCDFCFE5-CCE3-46A7-B0BF-E2BB4E55C315}" dt="2019-10-07T00:17:49.293" v="2149" actId="27636"/>
+          <ac:spMkLst>
+            <pc:docMk/>
+            <pc:sldMk cId="1106160201" sldId="300"/>
+            <ac:spMk id="16" creationId="{F94F7506-1DEA-431B-B87E-45D6D5B85710}"/>
+          </ac:spMkLst>
+        </pc:spChg>
+        <pc:picChg chg="add mod">
+          <ac:chgData name="Anthony Ison" userId="05e2123d-4a75-4a36-98f5-af5ff9a95a0a" providerId="ADAL" clId="{CCDFCFE5-CCE3-46A7-B0BF-E2BB4E55C315}" dt="2019-10-07T00:15:45.613" v="2144" actId="1076"/>
+          <ac:picMkLst>
+            <pc:docMk/>
+            <pc:sldMk cId="1106160201" sldId="300"/>
+            <ac:picMk id="2" creationId="{B1D27504-C23D-46B8-9BFC-AB727EA9FA6A}"/>
+          </ac:picMkLst>
+        </pc:picChg>
+        <pc:picChg chg="add del mod">
+          <ac:chgData name="Anthony Ison" userId="05e2123d-4a75-4a36-98f5-af5ff9a95a0a" providerId="ADAL" clId="{CCDFCFE5-CCE3-46A7-B0BF-E2BB4E55C315}" dt="2019-10-07T00:14:29.437" v="2140" actId="478"/>
+          <ac:picMkLst>
+            <pc:docMk/>
+            <pc:sldMk cId="1106160201" sldId="300"/>
+            <ac:picMk id="4" creationId="{4B035439-F5F2-421E-AEE9-0D43A0E120CB}"/>
+          </ac:picMkLst>
+        </pc:picChg>
+        <pc:picChg chg="add mod">
+          <ac:chgData name="Anthony Ison" userId="05e2123d-4a75-4a36-98f5-af5ff9a95a0a" providerId="ADAL" clId="{CCDFCFE5-CCE3-46A7-B0BF-E2BB4E55C315}" dt="2019-10-07T00:17:21.129" v="2146" actId="1076"/>
+          <ac:picMkLst>
+            <pc:docMk/>
+            <pc:sldMk cId="1106160201" sldId="300"/>
+            <ac:picMk id="6" creationId="{C5B0ACBF-E2C5-4349-A4D5-E2AF680D998E}"/>
+          </ac:picMkLst>
+        </pc:picChg>
+      </pc:sldChg>
+      <pc:sldChg chg="modSp add modAnim">
+        <pc:chgData name="Anthony Ison" userId="05e2123d-4a75-4a36-98f5-af5ff9a95a0a" providerId="ADAL" clId="{CCDFCFE5-CCE3-46A7-B0BF-E2BB4E55C315}" dt="2019-10-07T05:35:40.740" v="3926"/>
+        <pc:sldMkLst>
+          <pc:docMk/>
+          <pc:sldMk cId="2045311339" sldId="301"/>
+        </pc:sldMkLst>
+        <pc:spChg chg="mod">
+          <ac:chgData name="Anthony Ison" userId="05e2123d-4a75-4a36-98f5-af5ff9a95a0a" providerId="ADAL" clId="{CCDFCFE5-CCE3-46A7-B0BF-E2BB4E55C315}" dt="2019-10-06T07:15:24.591" v="796" actId="20577"/>
+          <ac:spMkLst>
+            <pc:docMk/>
+            <pc:sldMk cId="2045311339" sldId="301"/>
+            <ac:spMk id="3" creationId="{00000000-0000-0000-0000-000000000000}"/>
+          </ac:spMkLst>
+        </pc:spChg>
+        <pc:spChg chg="mod">
+          <ac:chgData name="Anthony Ison" userId="05e2123d-4a75-4a36-98f5-af5ff9a95a0a" providerId="ADAL" clId="{CCDFCFE5-CCE3-46A7-B0BF-E2BB4E55C315}" dt="2019-10-07T05:06:05.177" v="3677" actId="27636"/>
+          <ac:spMkLst>
+            <pc:docMk/>
+            <pc:sldMk cId="2045311339" sldId="301"/>
+            <ac:spMk id="4" creationId="{00000000-0000-0000-0000-000000000000}"/>
+          </ac:spMkLst>
+        </pc:spChg>
+      </pc:sldChg>
+      <pc:sldChg chg="addSp delSp modSp add modAnim">
+        <pc:chgData name="Anthony Ison" userId="05e2123d-4a75-4a36-98f5-af5ff9a95a0a" providerId="ADAL" clId="{CCDFCFE5-CCE3-46A7-B0BF-E2BB4E55C315}" dt="2019-10-07T01:28:19.550" v="2506"/>
+        <pc:sldMkLst>
+          <pc:docMk/>
+          <pc:sldMk cId="1869494968" sldId="302"/>
+        </pc:sldMkLst>
+        <pc:spChg chg="del">
+          <ac:chgData name="Anthony Ison" userId="05e2123d-4a75-4a36-98f5-af5ff9a95a0a" providerId="ADAL" clId="{CCDFCFE5-CCE3-46A7-B0BF-E2BB4E55C315}" dt="2019-10-06T07:49:40.231" v="865" actId="478"/>
+          <ac:spMkLst>
+            <pc:docMk/>
+            <pc:sldMk cId="1869494968" sldId="302"/>
+            <ac:spMk id="2" creationId="{886CC1C9-9AD4-4126-8C14-C18DC1327AFD}"/>
+          </ac:spMkLst>
+        </pc:spChg>
+        <pc:spChg chg="mod">
+          <ac:chgData name="Anthony Ison" userId="05e2123d-4a75-4a36-98f5-af5ff9a95a0a" providerId="ADAL" clId="{CCDFCFE5-CCE3-46A7-B0BF-E2BB4E55C315}" dt="2019-10-07T01:27:34.071" v="2415" actId="20577"/>
+          <ac:spMkLst>
+            <pc:docMk/>
+            <pc:sldMk cId="1869494968" sldId="302"/>
+            <ac:spMk id="3" creationId="{00000000-0000-0000-0000-000000000000}"/>
+          </ac:spMkLst>
+        </pc:spChg>
+        <pc:spChg chg="del">
+          <ac:chgData name="Anthony Ison" userId="05e2123d-4a75-4a36-98f5-af5ff9a95a0a" providerId="ADAL" clId="{CCDFCFE5-CCE3-46A7-B0BF-E2BB4E55C315}" dt="2019-10-06T07:49:49.566" v="867" actId="478"/>
+          <ac:spMkLst>
+            <pc:docMk/>
+            <pc:sldMk cId="1869494968" sldId="302"/>
+            <ac:spMk id="4" creationId="{00000000-0000-0000-0000-000000000000}"/>
+          </ac:spMkLst>
+        </pc:spChg>
+        <pc:spChg chg="del">
+          <ac:chgData name="Anthony Ison" userId="05e2123d-4a75-4a36-98f5-af5ff9a95a0a" providerId="ADAL" clId="{CCDFCFE5-CCE3-46A7-B0BF-E2BB4E55C315}" dt="2019-10-06T07:49:40.231" v="865" actId="478"/>
+          <ac:spMkLst>
+            <pc:docMk/>
+            <pc:sldMk cId="1869494968" sldId="302"/>
+            <ac:spMk id="6" creationId="{8B1C0B71-A441-488E-924A-A09C31BCF894}"/>
+          </ac:spMkLst>
+        </pc:spChg>
+        <pc:spChg chg="del">
+          <ac:chgData name="Anthony Ison" userId="05e2123d-4a75-4a36-98f5-af5ff9a95a0a" providerId="ADAL" clId="{CCDFCFE5-CCE3-46A7-B0BF-E2BB4E55C315}" dt="2019-10-06T07:49:40.231" v="865" actId="478"/>
+          <ac:spMkLst>
+            <pc:docMk/>
+            <pc:sldMk cId="1869494968" sldId="302"/>
+            <ac:spMk id="7" creationId="{6912BD34-B406-499F-9591-1889C9AC31C0}"/>
+          </ac:spMkLst>
+        </pc:spChg>
+        <pc:spChg chg="del">
+          <ac:chgData name="Anthony Ison" userId="05e2123d-4a75-4a36-98f5-af5ff9a95a0a" providerId="ADAL" clId="{CCDFCFE5-CCE3-46A7-B0BF-E2BB4E55C315}" dt="2019-10-06T07:49:43.428" v="866" actId="478"/>
+          <ac:spMkLst>
+            <pc:docMk/>
+            <pc:sldMk cId="1869494968" sldId="302"/>
+            <ac:spMk id="8" creationId="{04147B33-8523-4E14-B2DD-8A0F498B337F}"/>
+          </ac:spMkLst>
+        </pc:spChg>
+        <pc:spChg chg="add del mod">
+          <ac:chgData name="Anthony Ison" userId="05e2123d-4a75-4a36-98f5-af5ff9a95a0a" providerId="ADAL" clId="{CCDFCFE5-CCE3-46A7-B0BF-E2BB4E55C315}" dt="2019-10-06T09:06:26.899" v="891" actId="478"/>
+          <ac:spMkLst>
+            <pc:docMk/>
+            <pc:sldMk cId="1869494968" sldId="302"/>
+            <ac:spMk id="10" creationId="{69AF9099-0660-44B7-8416-3604A24A6484}"/>
+          </ac:spMkLst>
+        </pc:spChg>
+        <pc:spChg chg="del">
+          <ac:chgData name="Anthony Ison" userId="05e2123d-4a75-4a36-98f5-af5ff9a95a0a" providerId="ADAL" clId="{CCDFCFE5-CCE3-46A7-B0BF-E2BB4E55C315}" dt="2019-10-06T07:49:40.231" v="865" actId="478"/>
+          <ac:spMkLst>
+            <pc:docMk/>
+            <pc:sldMk cId="1869494968" sldId="302"/>
+            <ac:spMk id="11" creationId="{DB430DFB-22B2-4981-AB3A-E8F014BB1C0F}"/>
+          </ac:spMkLst>
+        </pc:spChg>
+        <pc:spChg chg="del">
+          <ac:chgData name="Anthony Ison" userId="05e2123d-4a75-4a36-98f5-af5ff9a95a0a" providerId="ADAL" clId="{CCDFCFE5-CCE3-46A7-B0BF-E2BB4E55C315}" dt="2019-10-06T07:49:40.231" v="865" actId="478"/>
+          <ac:spMkLst>
+            <pc:docMk/>
+            <pc:sldMk cId="1869494968" sldId="302"/>
+            <ac:spMk id="12" creationId="{71158C1F-3CAD-433B-8375-15310946B72E}"/>
+          </ac:spMkLst>
+        </pc:spChg>
+        <pc:spChg chg="del">
+          <ac:chgData name="Anthony Ison" userId="05e2123d-4a75-4a36-98f5-af5ff9a95a0a" providerId="ADAL" clId="{CCDFCFE5-CCE3-46A7-B0BF-E2BB4E55C315}" dt="2019-10-06T07:49:40.231" v="865" actId="478"/>
+          <ac:spMkLst>
+            <pc:docMk/>
+            <pc:sldMk cId="1869494968" sldId="302"/>
+            <ac:spMk id="13" creationId="{BEF08F27-229F-46BA-B742-0FD3AD2DD5AC}"/>
+          </ac:spMkLst>
+        </pc:spChg>
+        <pc:spChg chg="del">
+          <ac:chgData name="Anthony Ison" userId="05e2123d-4a75-4a36-98f5-af5ff9a95a0a" providerId="ADAL" clId="{CCDFCFE5-CCE3-46A7-B0BF-E2BB4E55C315}" dt="2019-10-06T07:49:40.231" v="865" actId="478"/>
+          <ac:spMkLst>
+            <pc:docMk/>
+            <pc:sldMk cId="1869494968" sldId="302"/>
+            <ac:spMk id="14" creationId="{36023D82-B10B-456B-82F3-1A29F8B22CD7}"/>
+          </ac:spMkLst>
+        </pc:spChg>
+        <pc:spChg chg="add mod">
+          <ac:chgData name="Anthony Ison" userId="05e2123d-4a75-4a36-98f5-af5ff9a95a0a" providerId="ADAL" clId="{CCDFCFE5-CCE3-46A7-B0BF-E2BB4E55C315}" dt="2019-10-07T01:28:01.818" v="2503" actId="20577"/>
+          <ac:spMkLst>
+            <pc:docMk/>
+            <pc:sldMk cId="1869494968" sldId="302"/>
+            <ac:spMk id="15" creationId="{8FF53DE1-F30C-4BFC-89C0-D30A5F354E44}"/>
+          </ac:spMkLst>
+        </pc:spChg>
+        <pc:picChg chg="add del mod">
+          <ac:chgData name="Anthony Ison" userId="05e2123d-4a75-4a36-98f5-af5ff9a95a0a" providerId="ADAL" clId="{CCDFCFE5-CCE3-46A7-B0BF-E2BB4E55C315}" dt="2019-10-06T09:06:22.998" v="890" actId="478"/>
+          <ac:picMkLst>
+            <pc:docMk/>
+            <pc:sldMk cId="1869494968" sldId="302"/>
+            <ac:picMk id="9" creationId="{BB4CC779-8B50-4266-8638-2C56DFC575CE}"/>
+          </ac:picMkLst>
+        </pc:picChg>
+      </pc:sldChg>
+      <pc:sldChg chg="modSp add ord">
+        <pc:chgData name="Anthony Ison" userId="05e2123d-4a75-4a36-98f5-af5ff9a95a0a" providerId="ADAL" clId="{CCDFCFE5-CCE3-46A7-B0BF-E2BB4E55C315}" dt="2019-10-07T03:15:53.539" v="3467"/>
+        <pc:sldMkLst>
+          <pc:docMk/>
+          <pc:sldMk cId="2342759482" sldId="303"/>
+        </pc:sldMkLst>
+        <pc:spChg chg="mod">
+          <ac:chgData name="Anthony Ison" userId="05e2123d-4a75-4a36-98f5-af5ff9a95a0a" providerId="ADAL" clId="{CCDFCFE5-CCE3-46A7-B0BF-E2BB4E55C315}" dt="2019-10-07T01:39:34.288" v="2680" actId="20577"/>
+          <ac:spMkLst>
+            <pc:docMk/>
+            <pc:sldMk cId="2342759482" sldId="303"/>
+            <ac:spMk id="3" creationId="{00000000-0000-0000-0000-000000000000}"/>
+          </ac:spMkLst>
+        </pc:spChg>
+      </pc:sldChg>
+      <pc:sldChg chg="modSp add">
+        <pc:chgData name="Anthony Ison" userId="05e2123d-4a75-4a36-98f5-af5ff9a95a0a" providerId="ADAL" clId="{CCDFCFE5-CCE3-46A7-B0BF-E2BB4E55C315}" dt="2019-10-07T03:10:58.706" v="3266" actId="20577"/>
+        <pc:sldMkLst>
+          <pc:docMk/>
+          <pc:sldMk cId="1410440517" sldId="304"/>
+        </pc:sldMkLst>
+        <pc:spChg chg="mod">
+          <ac:chgData name="Anthony Ison" userId="05e2123d-4a75-4a36-98f5-af5ff9a95a0a" providerId="ADAL" clId="{CCDFCFE5-CCE3-46A7-B0BF-E2BB4E55C315}" dt="2019-10-07T03:10:58.706" v="3266" actId="20577"/>
+          <ac:spMkLst>
+            <pc:docMk/>
+            <pc:sldMk cId="1410440517" sldId="304"/>
+            <ac:spMk id="4" creationId="{00000000-0000-0000-0000-000000000000}"/>
+          </ac:spMkLst>
+        </pc:spChg>
+      </pc:sldChg>
+      <pc:sldChg chg="modSp add modTransition modAnim">
+        <pc:chgData name="Anthony Ison" userId="05e2123d-4a75-4a36-98f5-af5ff9a95a0a" providerId="ADAL" clId="{CCDFCFE5-CCE3-46A7-B0BF-E2BB4E55C315}" dt="2019-10-07T03:38:57.191" v="3567"/>
+        <pc:sldMkLst>
+          <pc:docMk/>
+          <pc:sldMk cId="1583940710" sldId="305"/>
+        </pc:sldMkLst>
+        <pc:spChg chg="mod">
+          <ac:chgData name="Anthony Ison" userId="05e2123d-4a75-4a36-98f5-af5ff9a95a0a" providerId="ADAL" clId="{CCDFCFE5-CCE3-46A7-B0BF-E2BB4E55C315}" dt="2019-10-06T09:19:48.435" v="977" actId="20577"/>
+          <ac:spMkLst>
+            <pc:docMk/>
+            <pc:sldMk cId="1583940710" sldId="305"/>
+            <ac:spMk id="6" creationId="{00000000-0000-0000-0000-000000000000}"/>
+          </ac:spMkLst>
+        </pc:spChg>
+        <pc:spChg chg="mod">
+          <ac:chgData name="Anthony Ison" userId="05e2123d-4a75-4a36-98f5-af5ff9a95a0a" providerId="ADAL" clId="{CCDFCFE5-CCE3-46A7-B0BF-E2BB4E55C315}" dt="2019-10-06T09:32:59.658" v="1139" actId="20577"/>
+          <ac:spMkLst>
+            <pc:docMk/>
+            <pc:sldMk cId="1583940710" sldId="305"/>
+            <ac:spMk id="7" creationId="{00000000-0000-0000-0000-000000000000}"/>
+          </ac:spMkLst>
+        </pc:spChg>
+        <pc:spChg chg="mod">
+          <ac:chgData name="Anthony Ison" userId="05e2123d-4a75-4a36-98f5-af5ff9a95a0a" providerId="ADAL" clId="{CCDFCFE5-CCE3-46A7-B0BF-E2BB4E55C315}" dt="2019-10-07T03:38:50.532" v="3566" actId="20577"/>
+          <ac:spMkLst>
+            <pc:docMk/>
+            <pc:sldMk cId="1583940710" sldId="305"/>
+            <ac:spMk id="8" creationId="{00000000-0000-0000-0000-000000000000}"/>
+          </ac:spMkLst>
+        </pc:spChg>
+      </pc:sldChg>
+      <pc:sldChg chg="addSp delSp modSp add del ord">
+        <pc:chgData name="Anthony Ison" userId="05e2123d-4a75-4a36-98f5-af5ff9a95a0a" providerId="ADAL" clId="{CCDFCFE5-CCE3-46A7-B0BF-E2BB4E55C315}" dt="2019-10-06T11:49:23.353" v="1410" actId="2696"/>
+        <pc:sldMkLst>
+          <pc:docMk/>
+          <pc:sldMk cId="2773735657" sldId="306"/>
+        </pc:sldMkLst>
+        <pc:spChg chg="del">
+          <ac:chgData name="Anthony Ison" userId="05e2123d-4a75-4a36-98f5-af5ff9a95a0a" providerId="ADAL" clId="{CCDFCFE5-CCE3-46A7-B0BF-E2BB4E55C315}" dt="2019-10-06T10:31:04.450" v="1167"/>
+          <ac:spMkLst>
+            <pc:docMk/>
+            <pc:sldMk cId="2773735657" sldId="306"/>
+            <ac:spMk id="2" creationId="{ACB62E22-2E34-413B-B0ED-7BF583A21703}"/>
+          </ac:spMkLst>
+        </pc:spChg>
+        <pc:spChg chg="del">
+          <ac:chgData name="Anthony Ison" userId="05e2123d-4a75-4a36-98f5-af5ff9a95a0a" providerId="ADAL" clId="{CCDFCFE5-CCE3-46A7-B0BF-E2BB4E55C315}" dt="2019-10-06T10:31:04.450" v="1167"/>
+          <ac:spMkLst>
+            <pc:docMk/>
+            <pc:sldMk cId="2773735657" sldId="306"/>
+            <ac:spMk id="3" creationId="{CD6DB26A-CA51-483A-B765-8DC78B370864}"/>
+          </ac:spMkLst>
+        </pc:spChg>
+        <pc:spChg chg="add mod">
+          <ac:chgData name="Anthony Ison" userId="05e2123d-4a75-4a36-98f5-af5ff9a95a0a" providerId="ADAL" clId="{CCDFCFE5-CCE3-46A7-B0BF-E2BB4E55C315}" dt="2019-10-06T10:32:17.426" v="1175" actId="1076"/>
+          <ac:spMkLst>
+            <pc:docMk/>
+            <pc:sldMk cId="2773735657" sldId="306"/>
+            <ac:spMk id="5" creationId="{700872EA-FEB4-4E8D-9E7F-BD0F9977026C}"/>
+          </ac:spMkLst>
+        </pc:spChg>
+      </pc:sldChg>
+      <pc:sldChg chg="modSp add ord modAnim">
+        <pc:chgData name="Anthony Ison" userId="05e2123d-4a75-4a36-98f5-af5ff9a95a0a" providerId="ADAL" clId="{CCDFCFE5-CCE3-46A7-B0BF-E2BB4E55C315}" dt="2019-10-07T00:31:58.363" v="2351"/>
+        <pc:sldMkLst>
+          <pc:docMk/>
+          <pc:sldMk cId="3353134776" sldId="307"/>
+        </pc:sldMkLst>
+        <pc:spChg chg="mod">
+          <ac:chgData name="Anthony Ison" userId="05e2123d-4a75-4a36-98f5-af5ff9a95a0a" providerId="ADAL" clId="{CCDFCFE5-CCE3-46A7-B0BF-E2BB4E55C315}" dt="2019-10-06T10:33:21.784" v="1201" actId="20577"/>
+          <ac:spMkLst>
+            <pc:docMk/>
+            <pc:sldMk cId="3353134776" sldId="307"/>
+            <ac:spMk id="3" creationId="{00000000-0000-0000-0000-000000000000}"/>
+          </ac:spMkLst>
+        </pc:spChg>
+        <pc:spChg chg="mod">
+          <ac:chgData name="Anthony Ison" userId="05e2123d-4a75-4a36-98f5-af5ff9a95a0a" providerId="ADAL" clId="{CCDFCFE5-CCE3-46A7-B0BF-E2BB4E55C315}" dt="2019-10-07T00:31:07.416" v="2347"/>
+          <ac:spMkLst>
+            <pc:docMk/>
+            <pc:sldMk cId="3353134776" sldId="307"/>
+            <ac:spMk id="4" creationId="{00000000-0000-0000-0000-000000000000}"/>
+          </ac:spMkLst>
+        </pc:spChg>
+      </pc:sldChg>
+      <pc:sldChg chg="add del">
+        <pc:chgData name="Anthony Ison" userId="05e2123d-4a75-4a36-98f5-af5ff9a95a0a" providerId="ADAL" clId="{CCDFCFE5-CCE3-46A7-B0BF-E2BB4E55C315}" dt="2019-10-06T11:50:05.976" v="1414" actId="2696"/>
+        <pc:sldMkLst>
+          <pc:docMk/>
+          <pc:sldMk cId="226815639" sldId="308"/>
+        </pc:sldMkLst>
+      </pc:sldChg>
+      <pc:sldChg chg="add del ord">
+        <pc:chgData name="Anthony Ison" userId="05e2123d-4a75-4a36-98f5-af5ff9a95a0a" providerId="ADAL" clId="{CCDFCFE5-CCE3-46A7-B0BF-E2BB4E55C315}" dt="2019-10-07T01:56:48.475" v="3174" actId="2696"/>
+        <pc:sldMkLst>
+          <pc:docMk/>
+          <pc:sldMk cId="3185983722" sldId="309"/>
+        </pc:sldMkLst>
+      </pc:sldChg>
+      <pc:sldChg chg="add del ord">
+        <pc:chgData name="Anthony Ison" userId="05e2123d-4a75-4a36-98f5-af5ff9a95a0a" providerId="ADAL" clId="{CCDFCFE5-CCE3-46A7-B0BF-E2BB4E55C315}" dt="2019-10-06T11:49:54.749" v="1412" actId="2696"/>
+        <pc:sldMkLst>
+          <pc:docMk/>
+          <pc:sldMk cId="1879854318" sldId="310"/>
+        </pc:sldMkLst>
+      </pc:sldChg>
+      <pc:sldChg chg="addSp modSp add">
+        <pc:chgData name="Anthony Ison" userId="05e2123d-4a75-4a36-98f5-af5ff9a95a0a" providerId="ADAL" clId="{CCDFCFE5-CCE3-46A7-B0BF-E2BB4E55C315}" dt="2019-10-06T11:49:17.943" v="1409" actId="20577"/>
+        <pc:sldMkLst>
+          <pc:docMk/>
+          <pc:sldMk cId="2815548582" sldId="311"/>
+        </pc:sldMkLst>
+        <pc:spChg chg="add mod">
+          <ac:chgData name="Anthony Ison" userId="05e2123d-4a75-4a36-98f5-af5ff9a95a0a" providerId="ADAL" clId="{CCDFCFE5-CCE3-46A7-B0BF-E2BB4E55C315}" dt="2019-10-06T11:49:17.943" v="1409" actId="20577"/>
+          <ac:spMkLst>
+            <pc:docMk/>
+            <pc:sldMk cId="2815548582" sldId="311"/>
+            <ac:spMk id="3" creationId="{77F11E1B-DC1D-4E05-9C4E-188B9CBD92DC}"/>
+          </ac:spMkLst>
+        </pc:spChg>
+        <pc:spChg chg="add mod">
+          <ac:chgData name="Anthony Ison" userId="05e2123d-4a75-4a36-98f5-af5ff9a95a0a" providerId="ADAL" clId="{CCDFCFE5-CCE3-46A7-B0BF-E2BB4E55C315}" dt="2019-10-06T11:49:12.948" v="1405"/>
+          <ac:spMkLst>
+            <pc:docMk/>
+            <pc:sldMk cId="2815548582" sldId="311"/>
+            <ac:spMk id="4" creationId="{5F71CF26-2609-4454-AEF8-8F7B4A89A0AF}"/>
+          </ac:spMkLst>
+        </pc:spChg>
+        <pc:spChg chg="add mod">
+          <ac:chgData name="Anthony Ison" userId="05e2123d-4a75-4a36-98f5-af5ff9a95a0a" providerId="ADAL" clId="{CCDFCFE5-CCE3-46A7-B0BF-E2BB4E55C315}" dt="2019-10-06T11:49:12.948" v="1405"/>
+          <ac:spMkLst>
+            <pc:docMk/>
+            <pc:sldMk cId="2815548582" sldId="311"/>
+            <ac:spMk id="5" creationId="{7CA59B06-EE1E-4804-992D-721BB5AE3150}"/>
+          </ac:spMkLst>
+        </pc:spChg>
+      </pc:sldChg>
+      <pc:sldChg chg="add">
+        <pc:chgData name="Anthony Ison" userId="05e2123d-4a75-4a36-98f5-af5ff9a95a0a" providerId="ADAL" clId="{CCDFCFE5-CCE3-46A7-B0BF-E2BB4E55C315}" dt="2019-10-06T11:49:50.231" v="1411"/>
+        <pc:sldMkLst>
+          <pc:docMk/>
+          <pc:sldMk cId="996174121" sldId="312"/>
+        </pc:sldMkLst>
+      </pc:sldChg>
+      <pc:sldChg chg="add">
+        <pc:chgData name="Anthony Ison" userId="05e2123d-4a75-4a36-98f5-af5ff9a95a0a" providerId="ADAL" clId="{CCDFCFE5-CCE3-46A7-B0BF-E2BB4E55C315}" dt="2019-10-06T11:50:04.195" v="1413"/>
+        <pc:sldMkLst>
+          <pc:docMk/>
+          <pc:sldMk cId="3366338655" sldId="313"/>
+        </pc:sldMkLst>
+      </pc:sldChg>
+      <pc:sldChg chg="modSp add modAnim">
+        <pc:chgData name="Anthony Ison" userId="05e2123d-4a75-4a36-98f5-af5ff9a95a0a" providerId="ADAL" clId="{CCDFCFE5-CCE3-46A7-B0BF-E2BB4E55C315}" dt="2019-10-07T01:05:31.371" v="2400"/>
+        <pc:sldMkLst>
+          <pc:docMk/>
+          <pc:sldMk cId="3237036269" sldId="314"/>
+        </pc:sldMkLst>
+        <pc:spChg chg="mod">
+          <ac:chgData name="Anthony Ison" userId="05e2123d-4a75-4a36-98f5-af5ff9a95a0a" providerId="ADAL" clId="{CCDFCFE5-CCE3-46A7-B0BF-E2BB4E55C315}" dt="2019-10-06T23:54:06.457" v="1728" actId="20577"/>
+          <ac:spMkLst>
+            <pc:docMk/>
+            <pc:sldMk cId="3237036269" sldId="314"/>
+            <ac:spMk id="3" creationId="{00000000-0000-0000-0000-000000000000}"/>
+          </ac:spMkLst>
+        </pc:spChg>
+        <pc:spChg chg="mod">
+          <ac:chgData name="Anthony Ison" userId="05e2123d-4a75-4a36-98f5-af5ff9a95a0a" providerId="ADAL" clId="{CCDFCFE5-CCE3-46A7-B0BF-E2BB4E55C315}" dt="2019-10-07T01:05:31.371" v="2400"/>
+          <ac:spMkLst>
+            <pc:docMk/>
+            <pc:sldMk cId="3237036269" sldId="314"/>
+            <ac:spMk id="4" creationId="{00000000-0000-0000-0000-000000000000}"/>
+          </ac:spMkLst>
+        </pc:spChg>
+      </pc:sldChg>
+      <pc:sldChg chg="add modTransition">
+        <pc:chgData name="Anthony Ison" userId="05e2123d-4a75-4a36-98f5-af5ff9a95a0a" providerId="ADAL" clId="{CCDFCFE5-CCE3-46A7-B0BF-E2BB4E55C315}" dt="2019-10-07T00:20:06.182" v="2152"/>
+        <pc:sldMkLst>
+          <pc:docMk/>
+          <pc:sldMk cId="793714203" sldId="315"/>
+        </pc:sldMkLst>
+      </pc:sldChg>
+      <pc:sldChg chg="modSp add del">
+        <pc:chgData name="Anthony Ison" userId="05e2123d-4a75-4a36-98f5-af5ff9a95a0a" providerId="ADAL" clId="{CCDFCFE5-CCE3-46A7-B0BF-E2BB4E55C315}" dt="2019-10-07T02:15:52.979" v="3197" actId="2696"/>
+        <pc:sldMkLst>
+          <pc:docMk/>
+          <pc:sldMk cId="635321042" sldId="316"/>
+        </pc:sldMkLst>
+        <pc:spChg chg="mod">
+          <ac:chgData name="Anthony Ison" userId="05e2123d-4a75-4a36-98f5-af5ff9a95a0a" providerId="ADAL" clId="{CCDFCFE5-CCE3-46A7-B0BF-E2BB4E55C315}" dt="2019-10-07T00:35:15.070" v="2356" actId="122"/>
+          <ac:spMkLst>
+            <pc:docMk/>
+            <pc:sldMk cId="635321042" sldId="316"/>
+            <ac:spMk id="4" creationId="{00000000-0000-0000-0000-000000000000}"/>
+          </ac:spMkLst>
+        </pc:spChg>
+      </pc:sldChg>
+      <pc:sldChg chg="modSp add del">
+        <pc:chgData name="Anthony Ison" userId="05e2123d-4a75-4a36-98f5-af5ff9a95a0a" providerId="ADAL" clId="{CCDFCFE5-CCE3-46A7-B0BF-E2BB4E55C315}" dt="2019-10-07T02:15:55.244" v="3198" actId="2696"/>
+        <pc:sldMkLst>
+          <pc:docMk/>
+          <pc:sldMk cId="2445486866" sldId="317"/>
+        </pc:sldMkLst>
+        <pc:spChg chg="mod">
+          <ac:chgData name="Anthony Ison" userId="05e2123d-4a75-4a36-98f5-af5ff9a95a0a" providerId="ADAL" clId="{CCDFCFE5-CCE3-46A7-B0BF-E2BB4E55C315}" dt="2019-10-07T00:35:39.128" v="2370" actId="20577"/>
+          <ac:spMkLst>
+            <pc:docMk/>
+            <pc:sldMk cId="2445486866" sldId="317"/>
+            <ac:spMk id="3" creationId="{00000000-0000-0000-0000-000000000000}"/>
+          </ac:spMkLst>
+        </pc:spChg>
+        <pc:spChg chg="mod">
+          <ac:chgData name="Anthony Ison" userId="05e2123d-4a75-4a36-98f5-af5ff9a95a0a" providerId="ADAL" clId="{CCDFCFE5-CCE3-46A7-B0BF-E2BB4E55C315}" dt="2019-10-07T00:35:43.866" v="2373" actId="20577"/>
+          <ac:spMkLst>
+            <pc:docMk/>
+            <pc:sldMk cId="2445486866" sldId="317"/>
+            <ac:spMk id="4" creationId="{00000000-0000-0000-0000-000000000000}"/>
+          </ac:spMkLst>
+        </pc:spChg>
+      </pc:sldChg>
+      <pc:sldChg chg="modSp add ord modAnim">
+        <pc:chgData name="Anthony Ison" userId="05e2123d-4a75-4a36-98f5-af5ff9a95a0a" providerId="ADAL" clId="{CCDFCFE5-CCE3-46A7-B0BF-E2BB4E55C315}" dt="2019-10-07T03:38:00.195" v="3552"/>
+        <pc:sldMkLst>
+          <pc:docMk/>
+          <pc:sldMk cId="2056706713" sldId="318"/>
+        </pc:sldMkLst>
+        <pc:spChg chg="mod">
+          <ac:chgData name="Anthony Ison" userId="05e2123d-4a75-4a36-98f5-af5ff9a95a0a" providerId="ADAL" clId="{CCDFCFE5-CCE3-46A7-B0BF-E2BB4E55C315}" dt="2019-10-07T01:47:55.976" v="2974" actId="20577"/>
+          <ac:spMkLst>
+            <pc:docMk/>
+            <pc:sldMk cId="2056706713" sldId="318"/>
+            <ac:spMk id="3" creationId="{00000000-0000-0000-0000-000000000000}"/>
+          </ac:spMkLst>
+        </pc:spChg>
+        <pc:spChg chg="mod">
+          <ac:chgData name="Anthony Ison" userId="05e2123d-4a75-4a36-98f5-af5ff9a95a0a" providerId="ADAL" clId="{CCDFCFE5-CCE3-46A7-B0BF-E2BB4E55C315}" dt="2019-10-07T01:52:21.513" v="3171" actId="6549"/>
+          <ac:spMkLst>
+            <pc:docMk/>
+            <pc:sldMk cId="2056706713" sldId="318"/>
+            <ac:spMk id="4" creationId="{00000000-0000-0000-0000-000000000000}"/>
+          </ac:spMkLst>
+        </pc:spChg>
+      </pc:sldChg>
+      <pc:sldChg chg="modSp add">
+        <pc:chgData name="Anthony Ison" userId="05e2123d-4a75-4a36-98f5-af5ff9a95a0a" providerId="ADAL" clId="{CCDFCFE5-CCE3-46A7-B0BF-E2BB4E55C315}" dt="2019-10-07T01:55:06.235" v="3172" actId="20577"/>
+        <pc:sldMkLst>
+          <pc:docMk/>
+          <pc:sldMk cId="2535555950" sldId="319"/>
+        </pc:sldMkLst>
+        <pc:spChg chg="mod">
+          <ac:chgData name="Anthony Ison" userId="05e2123d-4a75-4a36-98f5-af5ff9a95a0a" providerId="ADAL" clId="{CCDFCFE5-CCE3-46A7-B0BF-E2BB4E55C315}" dt="2019-10-07T01:55:06.235" v="3172" actId="20577"/>
+          <ac:spMkLst>
+            <pc:docMk/>
+            <pc:sldMk cId="2535555950" sldId="319"/>
+            <ac:spMk id="4" creationId="{00000000-0000-0000-0000-000000000000}"/>
+          </ac:spMkLst>
+        </pc:spChg>
+      </pc:sldChg>
+      <pc:sldChg chg="add">
+        <pc:chgData name="Anthony Ison" userId="05e2123d-4a75-4a36-98f5-af5ff9a95a0a" providerId="ADAL" clId="{CCDFCFE5-CCE3-46A7-B0BF-E2BB4E55C315}" dt="2019-10-07T01:56:42.822" v="3173"/>
+        <pc:sldMkLst>
+          <pc:docMk/>
+          <pc:sldMk cId="3513178878" sldId="320"/>
+        </pc:sldMkLst>
+      </pc:sldChg>
+      <pc:sldChg chg="addSp delSp modSp add delAnim modAnim">
+        <pc:chgData name="Anthony Ison" userId="05e2123d-4a75-4a36-98f5-af5ff9a95a0a" providerId="ADAL" clId="{CCDFCFE5-CCE3-46A7-B0BF-E2BB4E55C315}" dt="2019-10-07T05:42:44.780" v="3929"/>
+        <pc:sldMkLst>
+          <pc:docMk/>
+          <pc:sldMk cId="951222193" sldId="321"/>
+        </pc:sldMkLst>
+        <pc:spChg chg="mod">
+          <ac:chgData name="Anthony Ison" userId="05e2123d-4a75-4a36-98f5-af5ff9a95a0a" providerId="ADAL" clId="{CCDFCFE5-CCE3-46A7-B0BF-E2BB4E55C315}" dt="2019-10-07T05:22:58.533" v="3901" actId="1076"/>
+          <ac:spMkLst>
+            <pc:docMk/>
+            <pc:sldMk cId="951222193" sldId="321"/>
+            <ac:spMk id="2" creationId="{AA8CFFA2-B1D4-4A39-866E-43417EC92739}"/>
+          </ac:spMkLst>
+        </pc:spChg>
+        <pc:spChg chg="mod">
+          <ac:chgData name="Anthony Ison" userId="05e2123d-4a75-4a36-98f5-af5ff9a95a0a" providerId="ADAL" clId="{CCDFCFE5-CCE3-46A7-B0BF-E2BB4E55C315}" dt="2019-10-07T05:19:07.308" v="3844" actId="20577"/>
+          <ac:spMkLst>
+            <pc:docMk/>
+            <pc:sldMk cId="951222193" sldId="321"/>
+            <ac:spMk id="3" creationId="{00000000-0000-0000-0000-000000000000}"/>
+          </ac:spMkLst>
+        </pc:spChg>
+        <pc:spChg chg="mod">
+          <ac:chgData name="Anthony Ison" userId="05e2123d-4a75-4a36-98f5-af5ff9a95a0a" providerId="ADAL" clId="{CCDFCFE5-CCE3-46A7-B0BF-E2BB4E55C315}" dt="2019-10-07T05:19:46.748" v="3845" actId="20577"/>
+          <ac:spMkLst>
+            <pc:docMk/>
+            <pc:sldMk cId="951222193" sldId="321"/>
+            <ac:spMk id="4" creationId="{00000000-0000-0000-0000-000000000000}"/>
+          </ac:spMkLst>
+        </pc:spChg>
+        <pc:spChg chg="add del mod">
+          <ac:chgData name="Anthony Ison" userId="05e2123d-4a75-4a36-98f5-af5ff9a95a0a" providerId="ADAL" clId="{CCDFCFE5-CCE3-46A7-B0BF-E2BB4E55C315}" dt="2019-10-07T05:23:54.439" v="3904" actId="478"/>
+          <ac:spMkLst>
+            <pc:docMk/>
+            <pc:sldMk cId="951222193" sldId="321"/>
+            <ac:spMk id="6" creationId="{5D632AE3-E4AD-4CBF-BBCB-1C10E888FEE5}"/>
+          </ac:spMkLst>
+        </pc:spChg>
+        <pc:spChg chg="del mod">
+          <ac:chgData name="Anthony Ison" userId="05e2123d-4a75-4a36-98f5-af5ff9a95a0a" providerId="ADAL" clId="{CCDFCFE5-CCE3-46A7-B0BF-E2BB4E55C315}" dt="2019-10-07T05:20:23.284" v="3849" actId="478"/>
+          <ac:spMkLst>
+            <pc:docMk/>
+            <pc:sldMk cId="951222193" sldId="321"/>
+            <ac:spMk id="9" creationId="{AEF500DA-6D90-4425-AC8B-4F6506CCA37F}"/>
+          </ac:spMkLst>
+        </pc:spChg>
+        <pc:spChg chg="mod">
+          <ac:chgData name="Anthony Ison" userId="05e2123d-4a75-4a36-98f5-af5ff9a95a0a" providerId="ADAL" clId="{CCDFCFE5-CCE3-46A7-B0BF-E2BB4E55C315}" dt="2019-10-07T05:22:58.533" v="3901" actId="1076"/>
+          <ac:spMkLst>
+            <pc:docMk/>
+            <pc:sldMk cId="951222193" sldId="321"/>
+            <ac:spMk id="10" creationId="{269C892B-DF86-49EB-9992-3565936AAA05}"/>
+          </ac:spMkLst>
+        </pc:spChg>
+        <pc:spChg chg="del mod">
+          <ac:chgData name="Anthony Ison" userId="05e2123d-4a75-4a36-98f5-af5ff9a95a0a" providerId="ADAL" clId="{CCDFCFE5-CCE3-46A7-B0BF-E2BB4E55C315}" dt="2019-10-07T05:20:25.824" v="3850" actId="478"/>
+          <ac:spMkLst>
+            <pc:docMk/>
+            <pc:sldMk cId="951222193" sldId="321"/>
+            <ac:spMk id="11" creationId="{3F1957AE-D48B-4946-A5D4-33C97606FEFC}"/>
+          </ac:spMkLst>
+        </pc:spChg>
+        <pc:spChg chg="mod">
+          <ac:chgData name="Anthony Ison" userId="05e2123d-4a75-4a36-98f5-af5ff9a95a0a" providerId="ADAL" clId="{CCDFCFE5-CCE3-46A7-B0BF-E2BB4E55C315}" dt="2019-10-07T05:22:58.533" v="3901" actId="1076"/>
+          <ac:spMkLst>
+            <pc:docMk/>
+            <pc:sldMk cId="951222193" sldId="321"/>
+            <ac:spMk id="12" creationId="{28218AF5-3049-4132-89CF-4809369A67E6}"/>
+          </ac:spMkLst>
+        </pc:spChg>
+        <pc:spChg chg="del mod">
+          <ac:chgData name="Anthony Ison" userId="05e2123d-4a75-4a36-98f5-af5ff9a95a0a" providerId="ADAL" clId="{CCDFCFE5-CCE3-46A7-B0BF-E2BB4E55C315}" dt="2019-10-07T05:20:28.315" v="3851" actId="478"/>
+          <ac:spMkLst>
+            <pc:docMk/>
+            <pc:sldMk cId="951222193" sldId="321"/>
+            <ac:spMk id="13" creationId="{0DB0A013-F92D-4AF5-AD62-DAE3DC82B41F}"/>
+          </ac:spMkLst>
+        </pc:spChg>
+        <pc:spChg chg="del mod">
+          <ac:chgData name="Anthony Ison" userId="05e2123d-4a75-4a36-98f5-af5ff9a95a0a" providerId="ADAL" clId="{CCDFCFE5-CCE3-46A7-B0BF-E2BB4E55C315}" dt="2019-10-07T05:22:23.849" v="3885" actId="478"/>
+          <ac:spMkLst>
+            <pc:docMk/>
+            <pc:sldMk cId="951222193" sldId="321"/>
+            <ac:spMk id="14" creationId="{4058AF0B-ACBD-4776-873A-6C87BF0D0558}"/>
+          </ac:spMkLst>
+        </pc:spChg>
+        <pc:spChg chg="del mod">
+          <ac:chgData name="Anthony Ison" userId="05e2123d-4a75-4a36-98f5-af5ff9a95a0a" providerId="ADAL" clId="{CCDFCFE5-CCE3-46A7-B0BF-E2BB4E55C315}" dt="2019-10-07T05:20:31.111" v="3852" actId="478"/>
+          <ac:spMkLst>
+            <pc:docMk/>
+            <pc:sldMk cId="951222193" sldId="321"/>
+            <ac:spMk id="15" creationId="{0610F339-687D-45F4-840F-9064F4AE02AE}"/>
+          </ac:spMkLst>
+        </pc:spChg>
+        <pc:spChg chg="add mod">
+          <ac:chgData name="Anthony Ison" userId="05e2123d-4a75-4a36-98f5-af5ff9a95a0a" providerId="ADAL" clId="{CCDFCFE5-CCE3-46A7-B0BF-E2BB4E55C315}" dt="2019-10-07T05:22:40.309" v="3900" actId="20577"/>
+          <ac:spMkLst>
+            <pc:docMk/>
+            <pc:sldMk cId="951222193" sldId="321"/>
+            <ac:spMk id="16" creationId="{51CB998E-2D52-4133-B089-87661ACBB53F}"/>
+          </ac:spMkLst>
+        </pc:spChg>
+        <pc:spChg chg="add mod">
+          <ac:chgData name="Anthony Ison" userId="05e2123d-4a75-4a36-98f5-af5ff9a95a0a" providerId="ADAL" clId="{CCDFCFE5-CCE3-46A7-B0BF-E2BB4E55C315}" dt="2019-10-07T05:21:25.615" v="3880" actId="20577"/>
+          <ac:spMkLst>
+            <pc:docMk/>
+            <pc:sldMk cId="951222193" sldId="321"/>
+            <ac:spMk id="17" creationId="{F4D6DB3B-FC2B-486F-AB98-C77EA55D6B19}"/>
+          </ac:spMkLst>
+        </pc:spChg>
+        <pc:spChg chg="add mod">
+          <ac:chgData name="Anthony Ison" userId="05e2123d-4a75-4a36-98f5-af5ff9a95a0a" providerId="ADAL" clId="{CCDFCFE5-CCE3-46A7-B0BF-E2BB4E55C315}" dt="2019-10-07T05:21:18.133" v="3872" actId="20577"/>
+          <ac:spMkLst>
+            <pc:docMk/>
+            <pc:sldMk cId="951222193" sldId="321"/>
+            <ac:spMk id="18" creationId="{46462BE6-F9EA-4F43-8A4E-3DBD0614B4CA}"/>
+          </ac:spMkLst>
+        </pc:spChg>
+        <pc:cxnChg chg="add mod">
+          <ac:chgData name="Anthony Ison" userId="05e2123d-4a75-4a36-98f5-af5ff9a95a0a" providerId="ADAL" clId="{CCDFCFE5-CCE3-46A7-B0BF-E2BB4E55C315}" dt="2019-10-07T05:24:08.937" v="3906" actId="14100"/>
+          <ac:cxnSpMkLst>
+            <pc:docMk/>
+            <pc:sldMk cId="951222193" sldId="321"/>
+            <ac:cxnSpMk id="8" creationId="{1C2E7F37-6EB7-433C-870F-1113D3744DFC}"/>
+          </ac:cxnSpMkLst>
+        </pc:cxnChg>
+      </pc:sldChg>
+      <pc:sldChg chg="add">
+        <pc:chgData name="Anthony Ison" userId="05e2123d-4a75-4a36-98f5-af5ff9a95a0a" providerId="ADAL" clId="{CCDFCFE5-CCE3-46A7-B0BF-E2BB4E55C315}" dt="2019-10-07T05:44:13.125" v="3930"/>
+        <pc:sldMkLst>
+          <pc:docMk/>
+          <pc:sldMk cId="2122941961" sldId="322"/>
+        </pc:sldMkLst>
+      </pc:sldChg>
+      <pc:sldChg chg="modSp add ord">
+        <pc:chgData name="Anthony Ison" userId="05e2123d-4a75-4a36-98f5-af5ff9a95a0a" providerId="ADAL" clId="{CCDFCFE5-CCE3-46A7-B0BF-E2BB4E55C315}" dt="2019-10-07T05:57:53.897" v="3996" actId="207"/>
+        <pc:sldMkLst>
+          <pc:docMk/>
+          <pc:sldMk cId="2835545674" sldId="323"/>
+        </pc:sldMkLst>
+        <pc:spChg chg="mod">
+          <ac:chgData name="Anthony Ison" userId="05e2123d-4a75-4a36-98f5-af5ff9a95a0a" providerId="ADAL" clId="{CCDFCFE5-CCE3-46A7-B0BF-E2BB4E55C315}" dt="2019-10-07T05:57:53.897" v="3996" actId="207"/>
+          <ac:spMkLst>
+            <pc:docMk/>
+            <pc:sldMk cId="2835545674" sldId="323"/>
+            <ac:spMk id="21" creationId="{00000000-0000-0000-0000-000000000000}"/>
+          </ac:spMkLst>
+        </pc:spChg>
+      </pc:sldChg>
+      <pc:sldChg chg="modSp add ord">
+        <pc:chgData name="Anthony Ison" userId="05e2123d-4a75-4a36-98f5-af5ff9a95a0a" providerId="ADAL" clId="{CCDFCFE5-CCE3-46A7-B0BF-E2BB4E55C315}" dt="2019-10-07T05:58:31.119" v="4000" actId="207"/>
+        <pc:sldMkLst>
+          <pc:docMk/>
+          <pc:sldMk cId="3177964530" sldId="324"/>
+        </pc:sldMkLst>
+        <pc:spChg chg="mod">
+          <ac:chgData name="Anthony Ison" userId="05e2123d-4a75-4a36-98f5-af5ff9a95a0a" providerId="ADAL" clId="{CCDFCFE5-CCE3-46A7-B0BF-E2BB4E55C315}" dt="2019-10-07T05:58:31.119" v="4000" actId="207"/>
+          <ac:spMkLst>
+            <pc:docMk/>
+            <pc:sldMk cId="3177964530" sldId="324"/>
+            <ac:spMk id="18" creationId="{00000000-0000-0000-0000-000000000000}"/>
+          </ac:spMkLst>
+        </pc:spChg>
+      </pc:sldChg>
+      <pc:sldChg chg="modSp add ord">
+        <pc:chgData name="Anthony Ison" userId="05e2123d-4a75-4a36-98f5-af5ff9a95a0a" providerId="ADAL" clId="{CCDFCFE5-CCE3-46A7-B0BF-E2BB4E55C315}" dt="2019-10-07T05:59:16.642" v="4003" actId="207"/>
+        <pc:sldMkLst>
+          <pc:docMk/>
+          <pc:sldMk cId="66041029" sldId="325"/>
+        </pc:sldMkLst>
+        <pc:spChg chg="mod">
+          <ac:chgData name="Anthony Ison" userId="05e2123d-4a75-4a36-98f5-af5ff9a95a0a" providerId="ADAL" clId="{CCDFCFE5-CCE3-46A7-B0BF-E2BB4E55C315}" dt="2019-10-07T05:59:16.642" v="4003" actId="207"/>
+          <ac:spMkLst>
+            <pc:docMk/>
+            <pc:sldMk cId="66041029" sldId="325"/>
+            <ac:spMk id="13" creationId="{00000000-0000-0000-0000-000000000000}"/>
+          </ac:spMkLst>
+        </pc:spChg>
+      </pc:sldChg>
+    </pc:docChg>
+  </pc:docChgLst>
+</pc:chgInfo>
+</file>
+
 <file path=ppt/handoutMasters/handoutMaster1.xml><?xml version="1.0" encoding="utf-8"?>
 <p:handoutMaster xmlns:a="http://schemas.openxmlformats.org/drawingml/2006/main" xmlns:r="http://schemas.openxmlformats.org/officeDocument/2006/relationships" xmlns:p="http://schemas.openxmlformats.org/presentationml/2006/main">
   <p:cSld>
@@ -262,7 +1953,7 @@
           <a:p>
             <a:fld id="{3F86499A-DF39-4841-A55A-0EC9E46ADF87}" type="datetimeFigureOut">
               <a:rPr lang="en-US" smtClean="0"/>
-              <a:t>10/8/2019</a:t>
+              <a:t>10/6/2019</a:t>
             </a:fld>
             <a:endParaRPr lang="en-US"/>
           </a:p>
@@ -428,7 +2119,7 @@
           <a:p>
             <a:fld id="{D237FCCA-FB4C-437E-BE2B-E7B59BDC2CDF}" type="datetimeFigureOut">
               <a:rPr lang="en-AU" smtClean="0"/>
-              <a:t>08/10/2019</a:t>
+              <a:t>6/10/2019</a:t>
             </a:fld>
             <a:endParaRPr lang="en-AU"/>
           </a:p>
@@ -5873,25 +7564,25 @@
           <a:lstStyle/>
           <a:p>
             <a:r>
-              <a:rPr lang="en-AU" dirty="0"/>
+              <a:rPr lang="en-AU"/>
               <a:t>Central store of container images (packages)</a:t>
             </a:r>
           </a:p>
           <a:p>
             <a:r>
-              <a:rPr lang="en-AU" dirty="0"/>
+              <a:rPr lang="en-AU"/>
               <a:t>Docker Hub - first and most popular</a:t>
             </a:r>
           </a:p>
           <a:p>
             <a:r>
-              <a:rPr lang="en-AU" dirty="0"/>
+              <a:rPr lang="en-AU"/>
               <a:t>Now many syndicated registries</a:t>
             </a:r>
           </a:p>
           <a:p>
             <a:r>
-              <a:rPr lang="en-AU" dirty="0"/>
+              <a:rPr lang="en-AU"/>
               <a:t>Can be Public or Private</a:t>
             </a:r>
           </a:p>
@@ -6416,10 +8107,6 @@
           </a:stretch>
         </p:blipFill>
         <p:spPr>
-          <a:xfrm>
-            <a:off x="5225" y="54592"/>
-            <a:ext cx="12192000" cy="6803408"/>
-          </a:xfrm>
           <a:prstGeom prst="rect">
             <a:avLst/>
           </a:prstGeom>
@@ -6446,10 +8133,10 @@
           <a:lstStyle/>
           <a:p>
             <a:r>
-              <a:rPr lang="en-AU" dirty="0"/>
+              <a:rPr lang="en-AU"/>
               <a:t>What are containers?</a:t>
             </a:r>
-            <a:endParaRPr lang="en-US" dirty="0"/>
+            <a:endParaRPr lang="en-US"/>
           </a:p>
         </p:txBody>
       </p:sp>
@@ -6484,10 +8171,10 @@
           <a:lstStyle/>
           <a:p>
             <a:r>
-              <a:rPr lang="en-AU" dirty="0"/>
+              <a:rPr lang="en-AU"/>
               <a:t>Hosting in Kubernetes (AKS)</a:t>
             </a:r>
-            <a:endParaRPr lang="en-US" dirty="0"/>
+            <a:endParaRPr lang="en-US"/>
           </a:p>
         </p:txBody>
       </p:sp>
@@ -6512,10 +8199,10 @@
           <a:lstStyle/>
           <a:p>
             <a:r>
-              <a:rPr lang="en-AU" dirty="0"/>
+              <a:rPr lang="en-AU"/>
               <a:t>Building a container</a:t>
             </a:r>
-            <a:endParaRPr lang="en-US" dirty="0"/>
+            <a:endParaRPr lang="en-US"/>
           </a:p>
         </p:txBody>
       </p:sp>
@@ -6631,10 +8318,10 @@
           <a:lstStyle/>
           <a:p>
             <a:r>
-              <a:rPr lang="en-AU" dirty="0"/>
+              <a:rPr lang="en-AU"/>
               <a:t>Running a container</a:t>
             </a:r>
-            <a:endParaRPr lang="en-US" dirty="0"/>
+            <a:endParaRPr lang="en-US"/>
           </a:p>
         </p:txBody>
       </p:sp>
@@ -6654,25 +8341,25 @@
           <a:lstStyle/>
           <a:p>
             <a:r>
-              <a:rPr lang="en-AU" dirty="0"/>
+              <a:rPr lang="en-AU"/>
               <a:t>Pull image:</a:t>
             </a:r>
           </a:p>
           <a:p>
             <a:r>
-              <a:rPr lang="en-AU" dirty="0"/>
+              <a:rPr lang="en-AU"/>
               <a:t>    docker pull ubuntu</a:t>
             </a:r>
           </a:p>
           <a:p>
             <a:r>
-              <a:rPr lang="en-AU" dirty="0"/>
+              <a:rPr lang="en-AU"/>
               <a:t>Run a container:</a:t>
             </a:r>
           </a:p>
           <a:p>
             <a:r>
-              <a:rPr lang="en-AU" dirty="0"/>
+              <a:rPr lang="en-AU"/>
               <a:t>    docker run -it ubuntu</a:t>
             </a:r>
           </a:p>
@@ -8305,7 +9992,7 @@
           <a:lstStyle/>
           <a:p>
             <a:r>
-              <a:rPr lang="en-AU" dirty="0"/>
+              <a:rPr lang="en-AU"/>
               <a:t>C:\tmp</a:t>
             </a:r>
           </a:p>
@@ -8341,14 +10028,14 @@
           <a:p>
             <a:pPr algn="r"/>
             <a:r>
-              <a:rPr lang="en-AU" dirty="0"/>
+              <a:rPr lang="en-AU"/>
               <a:t>/</a:t>
             </a:r>
             <a:r>
-              <a:rPr lang="en-AU" dirty="0" err="1"/>
+              <a:rPr lang="en-AU" err="1"/>
               <a:t>tmp</a:t>
             </a:r>
-            <a:endParaRPr lang="en-AU" dirty="0"/>
+            <a:endParaRPr lang="en-AU"/>
           </a:p>
         </p:txBody>
       </p:sp>
@@ -9453,10 +11140,10 @@
           <a:lstStyle/>
           <a:p>
             <a:r>
-              <a:rPr lang="en-AU" dirty="0"/>
+              <a:rPr lang="en-AU"/>
               <a:t>Run dotnet tools	</a:t>
             </a:r>
-            <a:endParaRPr lang="en-US" dirty="0"/>
+            <a:endParaRPr lang="en-US"/>
           </a:p>
         </p:txBody>
       </p:sp>
@@ -9478,23 +11165,23 @@
           <a:lstStyle/>
           <a:p>
             <a:r>
-              <a:rPr lang="en-AU" sz="1800" dirty="0"/>
+              <a:rPr lang="en-AU" sz="1800"/>
               <a:t>docker run -it -v “$(</a:t>
             </a:r>
             <a:r>
-              <a:rPr lang="en-AU" sz="1800" dirty="0" err="1"/>
+              <a:rPr lang="en-AU" sz="1800" err="1"/>
               <a:t>pwd</a:t>
             </a:r>
             <a:r>
-              <a:rPr lang="en-AU" sz="1800" dirty="0"/>
+              <a:rPr lang="en-AU" sz="1800"/>
               <a:t>):/</a:t>
             </a:r>
             <a:r>
-              <a:rPr lang="en-AU" sz="1800" dirty="0" err="1"/>
+              <a:rPr lang="en-AU" sz="1800" err="1"/>
               <a:t>src</a:t>
             </a:r>
             <a:r>
-              <a:rPr lang="en-AU" sz="1800" dirty="0"/>
+              <a:rPr lang="en-AU" sz="1800"/>
               <a:t>” mcr.microsoft.com/dotnet/core/sdk:2.2-stretch</a:t>
             </a:r>
           </a:p>
@@ -9710,7 +11397,7 @@
           <a:lstStyle/>
           <a:p>
             <a:r>
-              <a:rPr lang="en-AU" dirty="0"/>
+              <a:rPr lang="en-AU"/>
               <a:t>Current folder</a:t>
             </a:r>
           </a:p>
@@ -9746,14 +11433,14 @@
           <a:p>
             <a:pPr algn="r"/>
             <a:r>
-              <a:rPr lang="en-AU" dirty="0"/>
+              <a:rPr lang="en-AU"/>
               <a:t>/</a:t>
             </a:r>
             <a:r>
-              <a:rPr lang="en-AU" dirty="0" err="1"/>
+              <a:rPr lang="en-AU" err="1"/>
               <a:t>src</a:t>
             </a:r>
-            <a:endParaRPr lang="en-AU" dirty="0"/>
+            <a:endParaRPr lang="en-AU"/>
           </a:p>
         </p:txBody>
       </p:sp>
@@ -10192,29 +11879,29 @@
           <a:lstStyle/>
           <a:p>
             <a:r>
-              <a:rPr lang="en-AU" sz="1800" dirty="0"/>
+              <a:rPr lang="en-AU" sz="1800"/>
               <a:t>docker run </a:t>
             </a:r>
             <a:r>
-              <a:rPr lang="fr-FR" sz="1800" dirty="0"/>
+              <a:rPr lang="fr-FR" sz="1800"/>
               <a:t>-e 'ACCEPT_EULA=Y' -e 'SA_PASSWORD=P@55word!’ </a:t>
             </a:r>
             <a:r>
-              <a:rPr lang="en-AU" sz="1800" dirty="0"/>
+              <a:rPr lang="en-AU" sz="1800"/>
               <a:t>–p 5433:1433 </a:t>
             </a:r>
           </a:p>
           <a:p>
             <a:r>
-              <a:rPr lang="en-AU" sz="1800" dirty="0"/>
+              <a:rPr lang="en-AU" sz="1800"/>
               <a:t>    –v c:\data:/var/opt/mssql mcr.microsoft.com/</a:t>
             </a:r>
             <a:r>
-              <a:rPr lang="en-AU" sz="1800" dirty="0" err="1"/>
+              <a:rPr lang="en-AU" sz="1800" err="1"/>
               <a:t>mssql</a:t>
             </a:r>
             <a:r>
-              <a:rPr lang="en-AU" sz="1800" dirty="0"/>
+              <a:rPr lang="en-AU" sz="1800"/>
               <a:t>/server:2017-latest-ubuntu</a:t>
             </a:r>
           </a:p>
@@ -10430,7 +12117,7 @@
           <a:lstStyle/>
           <a:p>
             <a:r>
-              <a:rPr lang="en-AU" dirty="0"/>
+              <a:rPr lang="en-AU"/>
               <a:t>5433</a:t>
             </a:r>
           </a:p>
@@ -10547,7 +12234,7 @@
           <a:lstStyle/>
           <a:p>
             <a:r>
-              <a:rPr lang="en-AU" dirty="0"/>
+              <a:rPr lang="en-AU"/>
               <a:t>C:\data</a:t>
             </a:r>
           </a:p>
@@ -11527,10 +13214,10 @@
           <a:lstStyle/>
           <a:p>
             <a:r>
-              <a:rPr lang="en-AU" dirty="0"/>
+              <a:rPr lang="en-AU"/>
               <a:t>What are containers?</a:t>
             </a:r>
-            <a:endParaRPr lang="en-US" dirty="0"/>
+            <a:endParaRPr lang="en-US"/>
           </a:p>
         </p:txBody>
       </p:sp>
@@ -11565,10 +13252,10 @@
           <a:lstStyle/>
           <a:p>
             <a:r>
-              <a:rPr lang="en-AU" dirty="0"/>
+              <a:rPr lang="en-AU"/>
               <a:t>Hosting in Kubernetes (AKS)</a:t>
             </a:r>
-            <a:endParaRPr lang="en-US" dirty="0"/>
+            <a:endParaRPr lang="en-US"/>
           </a:p>
         </p:txBody>
       </p:sp>
@@ -11598,10 +13285,10 @@
           <a:lstStyle/>
           <a:p>
             <a:r>
-              <a:rPr lang="en-AU" dirty="0"/>
+              <a:rPr lang="en-AU"/>
               <a:t>Building a container</a:t>
             </a:r>
-            <a:endParaRPr lang="en-US" dirty="0"/>
+            <a:endParaRPr lang="en-US"/>
           </a:p>
         </p:txBody>
       </p:sp>
@@ -11740,72 +13427,72 @@
           <a:lstStyle/>
           <a:p>
             <a:r>
-              <a:rPr lang="en-AU" dirty="0"/>
+              <a:rPr lang="en-AU"/>
               <a:t>Build image:</a:t>
             </a:r>
           </a:p>
           <a:p>
             <a:r>
-              <a:rPr lang="en-AU" dirty="0"/>
+              <a:rPr lang="en-AU"/>
               <a:t>    docker build –f </a:t>
             </a:r>
             <a:r>
-              <a:rPr lang="en-AU" dirty="0" err="1"/>
+              <a:rPr lang="en-AU" err="1"/>
               <a:t>TestApp</a:t>
             </a:r>
             <a:r>
-              <a:rPr lang="en-AU" dirty="0"/>
+              <a:rPr lang="en-AU"/>
               <a:t>\</a:t>
             </a:r>
             <a:r>
-              <a:rPr lang="en-AU" dirty="0" err="1"/>
+              <a:rPr lang="en-AU" err="1"/>
               <a:t>Dockerfile</a:t>
             </a:r>
             <a:r>
-              <a:rPr lang="en-AU" dirty="0"/>
+              <a:rPr lang="en-AU"/>
               <a:t> –t </a:t>
             </a:r>
             <a:r>
-              <a:rPr lang="en-AU" dirty="0" err="1"/>
+              <a:rPr lang="en-AU" err="1"/>
               <a:t>isonaj</a:t>
             </a:r>
             <a:r>
-              <a:rPr lang="en-AU" dirty="0"/>
+              <a:rPr lang="en-AU"/>
               <a:t>\</a:t>
             </a:r>
             <a:r>
-              <a:rPr lang="en-AU" dirty="0" err="1"/>
+              <a:rPr lang="en-AU" err="1"/>
               <a:t>testapp</a:t>
             </a:r>
             <a:r>
-              <a:rPr lang="en-AU" dirty="0"/>
+              <a:rPr lang="en-AU"/>
               <a:t> .</a:t>
             </a:r>
           </a:p>
           <a:p>
             <a:r>
-              <a:rPr lang="en-AU" dirty="0"/>
+              <a:rPr lang="en-AU"/>
               <a:t>Push image to registry:</a:t>
             </a:r>
           </a:p>
           <a:p>
             <a:r>
-              <a:rPr lang="en-AU" dirty="0"/>
+              <a:rPr lang="en-AU"/>
               <a:t>    docker push </a:t>
             </a:r>
             <a:r>
-              <a:rPr lang="en-AU" dirty="0" err="1"/>
+              <a:rPr lang="en-AU" err="1"/>
               <a:t>isonaj</a:t>
             </a:r>
             <a:r>
-              <a:rPr lang="en-AU" dirty="0"/>
+              <a:rPr lang="en-AU"/>
               <a:t>/</a:t>
             </a:r>
             <a:r>
-              <a:rPr lang="en-AU" dirty="0" err="1"/>
+              <a:rPr lang="en-AU" err="1"/>
               <a:t>testapp</a:t>
             </a:r>
-            <a:endParaRPr lang="en-AU" dirty="0"/>
+            <a:endParaRPr lang="en-AU"/>
           </a:p>
         </p:txBody>
       </p:sp>
@@ -12309,47 +13996,47 @@
           <a:lstStyle/>
           <a:p>
             <a:r>
-              <a:rPr lang="en-AU" sz="2800" dirty="0"/>
+              <a:rPr lang="en-AU" sz="2800"/>
               <a:t>FROM mcr.microsoft.com/dotnet/core/sdk:2.2-stretch</a:t>
             </a:r>
           </a:p>
           <a:p>
             <a:r>
-              <a:rPr lang="en-AU" sz="2800" dirty="0"/>
+              <a:rPr lang="en-AU" sz="2800"/>
               <a:t>WORKDIR /app</a:t>
             </a:r>
           </a:p>
           <a:p>
             <a:r>
-              <a:rPr lang="en-AU" sz="2800" dirty="0"/>
+              <a:rPr lang="en-AU" sz="2800"/>
               <a:t>COPY . .</a:t>
             </a:r>
           </a:p>
           <a:p>
             <a:r>
-              <a:rPr lang="en-AU" sz="2800" dirty="0"/>
+              <a:rPr lang="en-AU" sz="2800"/>
               <a:t>RUN dotnet publish "</a:t>
             </a:r>
             <a:r>
-              <a:rPr lang="en-AU" sz="2800" dirty="0" err="1"/>
+              <a:rPr lang="en-AU" sz="2800" err="1"/>
               <a:t>TestApp</a:t>
             </a:r>
             <a:r>
-              <a:rPr lang="en-AU" sz="2800" dirty="0"/>
+              <a:rPr lang="en-AU" sz="2800"/>
               <a:t>/</a:t>
             </a:r>
             <a:r>
-              <a:rPr lang="en-AU" sz="2800" dirty="0" err="1"/>
+              <a:rPr lang="en-AU" sz="2800" err="1"/>
               <a:t>TestApp.csproj</a:t>
             </a:r>
             <a:r>
-              <a:rPr lang="en-AU" sz="2800" dirty="0"/>
+              <a:rPr lang="en-AU" sz="2800"/>
               <a:t>" -c Release -o /app</a:t>
             </a:r>
           </a:p>
           <a:p>
             <a:r>
-              <a:rPr lang="en-AU" sz="2800" dirty="0"/>
+              <a:rPr lang="en-AU" sz="2800"/>
               <a:t>ENTRYPOINT ["dotnet", "TestApp.dll"]</a:t>
             </a:r>
           </a:p>
@@ -12992,30 +14679,30 @@
           <a:lstStyle/>
           <a:p>
             <a:r>
-              <a:rPr lang="en-AU" dirty="0"/>
+              <a:rPr lang="en-AU"/>
               <a:t>FROM dotnet/core/</a:t>
             </a:r>
             <a:r>
-              <a:rPr lang="en-AU" dirty="0" err="1"/>
+              <a:rPr lang="en-AU" err="1"/>
               <a:t>sdk</a:t>
             </a:r>
-            <a:endParaRPr lang="en-AU" dirty="0"/>
-          </a:p>
-          <a:p>
-            <a:r>
-              <a:rPr lang="en-AU" dirty="0"/>
+            <a:endParaRPr lang="en-AU"/>
+          </a:p>
+          <a:p>
+            <a:r>
+              <a:rPr lang="en-AU"/>
               <a:t>COPY . .</a:t>
             </a:r>
           </a:p>
           <a:p>
             <a:r>
-              <a:rPr lang="en-AU" dirty="0"/>
+              <a:rPr lang="en-AU"/>
               <a:t>RUN dotnet publish</a:t>
             </a:r>
           </a:p>
           <a:p>
             <a:r>
-              <a:rPr lang="en-AU" dirty="0"/>
+              <a:rPr lang="en-AU"/>
               <a:t>ENTRYPOINT [“dotnet”]</a:t>
             </a:r>
           </a:p>
@@ -13087,7 +14774,7 @@
           <a:p>
             <a:pPr algn="ctr"/>
             <a:r>
-              <a:rPr lang="en-AU" dirty="0"/>
+              <a:rPr lang="en-AU"/>
               <a:t>SDK</a:t>
             </a:r>
           </a:p>
@@ -13182,7 +14869,7 @@
           <a:p>
             <a:pPr algn="ctr"/>
             <a:r>
-              <a:rPr lang="en-AU" dirty="0"/>
+              <a:rPr lang="en-AU"/>
               <a:t>SOURCE</a:t>
             </a:r>
           </a:p>
@@ -13277,7 +14964,7 @@
           <a:p>
             <a:pPr algn="ctr"/>
             <a:r>
-              <a:rPr lang="en-AU" dirty="0"/>
+              <a:rPr lang="en-AU"/>
               <a:t>BINARIES</a:t>
             </a:r>
           </a:p>
@@ -13372,7 +15059,7 @@
           <a:p>
             <a:pPr algn="ctr"/>
             <a:r>
-              <a:rPr lang="en-AU" dirty="0"/>
+              <a:rPr lang="en-AU"/>
               <a:t>AUTO START</a:t>
             </a:r>
           </a:p>
@@ -14506,10 +16193,10 @@
           <a:lstStyle/>
           <a:p>
             <a:r>
-              <a:rPr lang="en-AU" dirty="0"/>
+              <a:rPr lang="en-AU"/>
               <a:t>Layered images (multi-stage)</a:t>
             </a:r>
-            <a:endParaRPr lang="en-US" dirty="0"/>
+            <a:endParaRPr lang="en-US"/>
           </a:p>
         </p:txBody>
       </p:sp>
@@ -14528,7 +16215,7 @@
           <a:bodyPr/>
           <a:lstStyle/>
           <a:p>
-            <a:endParaRPr lang="en-AU" dirty="0"/>
+            <a:endParaRPr lang="en-AU"/>
           </a:p>
         </p:txBody>
       </p:sp>
@@ -14598,7 +16285,7 @@
           <a:p>
             <a:pPr algn="ctr"/>
             <a:r>
-              <a:rPr lang="en-AU" dirty="0"/>
+              <a:rPr lang="en-AU"/>
               <a:t>SDK (LARGE)</a:t>
             </a:r>
           </a:p>
@@ -14647,8 +16334,8 @@
           <a:p>
             <a:pPr algn="ctr"/>
             <a:r>
-              <a:rPr lang="en-AU" dirty="0"/>
-              <a:t>COPY . .</a:t>
+              <a:rPr lang="en-AU"/>
+              <a:t>SOURCE</a:t>
             </a:r>
           </a:p>
         </p:txBody>
@@ -14696,8 +16383,8 @@
           <a:p>
             <a:pPr algn="ctr"/>
             <a:r>
-              <a:rPr lang="en-AU" dirty="0"/>
-              <a:t>RUN dotnet publish</a:t>
+              <a:rPr lang="en-AU"/>
+              <a:t>BINARIES</a:t>
             </a:r>
           </a:p>
         </p:txBody>
@@ -14745,8 +16432,8 @@
           <a:p>
             <a:pPr algn="ctr"/>
             <a:r>
-              <a:rPr lang="en-AU" dirty="0"/>
-              <a:t>RUNTIME (TINY)</a:t>
+              <a:rPr lang="en-AU"/>
+              <a:t>SLIM (TINY)</a:t>
             </a:r>
           </a:p>
         </p:txBody>
@@ -14794,7 +16481,7 @@
           <a:p>
             <a:pPr algn="ctr"/>
             <a:r>
-              <a:rPr lang="en-AU" dirty="0"/>
+              <a:rPr lang="en-AU"/>
               <a:t>BINARIES</a:t>
             </a:r>
           </a:p>
@@ -14843,8 +16530,8 @@
           <a:p>
             <a:pPr algn="ctr"/>
             <a:r>
-              <a:rPr lang="en-AU" dirty="0"/>
-              <a:t>ENTRYPOINT [“dotnet”, “TestApp.dll”]</a:t>
+              <a:rPr lang="en-AU"/>
+              <a:t>AUTO START</a:t>
             </a:r>
           </a:p>
         </p:txBody>
@@ -15746,10 +17433,10 @@
           <a:lstStyle/>
           <a:p>
             <a:r>
-              <a:rPr lang="en-AU" dirty="0"/>
+              <a:rPr lang="en-AU"/>
               <a:t>What are containers?</a:t>
             </a:r>
-            <a:endParaRPr lang="en-US" dirty="0"/>
+            <a:endParaRPr lang="en-US"/>
           </a:p>
         </p:txBody>
       </p:sp>
@@ -15784,10 +17471,10 @@
           <a:lstStyle/>
           <a:p>
             <a:r>
-              <a:rPr lang="en-AU" dirty="0"/>
+              <a:rPr lang="en-AU"/>
               <a:t>Hosting in Kubernetes (AKS)</a:t>
             </a:r>
-            <a:endParaRPr lang="en-US" dirty="0"/>
+            <a:endParaRPr lang="en-US"/>
           </a:p>
         </p:txBody>
       </p:sp>
@@ -15812,10 +17499,10 @@
           <a:lstStyle/>
           <a:p>
             <a:r>
-              <a:rPr lang="en-AU" dirty="0"/>
+              <a:rPr lang="en-AU"/>
               <a:t>Building a container</a:t>
             </a:r>
-            <a:endParaRPr lang="en-US" dirty="0"/>
+            <a:endParaRPr lang="en-US"/>
           </a:p>
         </p:txBody>
       </p:sp>
@@ -15931,10 +17618,10 @@
           <a:lstStyle/>
           <a:p>
             <a:r>
-              <a:rPr lang="en-AU" dirty="0"/>
+              <a:rPr lang="en-AU"/>
               <a:t>Hosting containers in Azure</a:t>
             </a:r>
-            <a:endParaRPr lang="en-US" dirty="0"/>
+            <a:endParaRPr lang="en-US"/>
           </a:p>
         </p:txBody>
       </p:sp>
@@ -15988,19 +17675,19 @@
           <a:lstStyle/>
           <a:p>
             <a:r>
-              <a:rPr lang="en-AU" dirty="0"/>
+              <a:rPr lang="en-AU"/>
               <a:t>Web apps for containers</a:t>
             </a:r>
           </a:p>
           <a:p>
             <a:r>
-              <a:rPr lang="en-AU" dirty="0"/>
+              <a:rPr lang="en-AU"/>
               <a:t>Azure Container Instances (ACI)</a:t>
             </a:r>
           </a:p>
           <a:p>
             <a:r>
-              <a:rPr lang="en-AU" dirty="0"/>
+              <a:rPr lang="en-AU"/>
               <a:t>Azure Kubernetes Service (AKS)</a:t>
             </a:r>
           </a:p>
@@ -16414,33 +18101,33 @@
           <a:lstStyle/>
           <a:p>
             <a:r>
-              <a:rPr lang="en-AU" dirty="0"/>
+              <a:rPr lang="en-AU"/>
               <a:t>Cluster of worker nodes (</a:t>
             </a:r>
             <a:r>
-              <a:rPr lang="en-AU" dirty="0" err="1"/>
+              <a:rPr lang="en-AU" err="1"/>
               <a:t>nodepool</a:t>
             </a:r>
             <a:r>
-              <a:rPr lang="en-AU" dirty="0"/>
+              <a:rPr lang="en-AU"/>
               <a:t>)</a:t>
             </a:r>
           </a:p>
           <a:p>
             <a:r>
-              <a:rPr lang="en-AU" dirty="0"/>
+              <a:rPr lang="en-AU"/>
               <a:t>Master node(s) for managing the cluster</a:t>
             </a:r>
           </a:p>
           <a:p>
             <a:r>
-              <a:rPr lang="en-AU" dirty="0"/>
+              <a:rPr lang="en-AU"/>
               <a:t>Scalable, self healing, highly available platform</a:t>
             </a:r>
           </a:p>
           <a:p>
             <a:r>
-              <a:rPr lang="en-AU" dirty="0"/>
+              <a:rPr lang="en-AU"/>
               <a:t>Open source</a:t>
             </a:r>
           </a:p>
@@ -16957,10 +18644,10 @@
           <a:lstStyle/>
           <a:p>
             <a:r>
-              <a:rPr lang="en-AU" dirty="0"/>
+              <a:rPr lang="en-AU"/>
               <a:t>Kubernetes architecture</a:t>
             </a:r>
-            <a:endParaRPr lang="en-US" dirty="0"/>
+            <a:endParaRPr lang="en-US"/>
           </a:p>
         </p:txBody>
       </p:sp>
@@ -17120,6 +18807,35 @@
           </a:p>
         </p:txBody>
       </p:sp>
+      <p:pic>
+        <p:nvPicPr>
+          <p:cNvPr id="23" name="Picture Placeholder 22"/>
+          <p:cNvPicPr>
+            <a:picLocks noGrp="1" noChangeAspect="1"/>
+          </p:cNvPicPr>
+          <p:nvPr>
+            <p:ph type="pic" sz="quarter" idx="13"/>
+          </p:nvPr>
+        </p:nvPicPr>
+        <p:blipFill>
+          <a:blip r:embed="rId2">
+            <a:extLst>
+              <a:ext uri="{28A0092B-C50C-407E-A947-70E740481C1C}">
+                <a14:useLocalDpi xmlns:a14="http://schemas.microsoft.com/office/drawing/2010/main" val="0"/>
+              </a:ext>
+            </a:extLst>
+          </a:blip>
+          <a:stretch>
+            <a:fillRect/>
+          </a:stretch>
+        </p:blipFill>
+        <p:spPr>
+          <a:xfrm>
+            <a:off x="0" y="54592"/>
+            <a:ext cx="4835480" cy="6803408"/>
+          </a:xfrm>
+        </p:spPr>
+      </p:pic>
       <p:sp>
         <p:nvSpPr>
           <p:cNvPr id="10" name="Title 9"/>
@@ -17247,7 +18963,7 @@
           <p:nvPr/>
         </p:nvPicPr>
         <p:blipFill>
-          <a:blip r:embed="rId2"/>
+          <a:blip r:embed="rId3"/>
           <a:stretch>
             <a:fillRect/>
           </a:stretch>
@@ -17261,37 +18977,6 @@
             <a:avLst/>
           </a:prstGeom>
         </p:spPr>
-      </p:pic>
-      <p:pic>
-        <p:nvPicPr>
-          <p:cNvPr id="13" name="Picture Placeholder 12" descr="A person wearing glasses and smiling at the camera&#10;&#10;Description automatically generated">
-            <a:extLst>
-              <a:ext uri="{FF2B5EF4-FFF2-40B4-BE49-F238E27FC236}">
-                <a16:creationId xmlns:a16="http://schemas.microsoft.com/office/drawing/2014/main" id="{F54A8DB2-2AED-4D39-924F-71C93C001064}"/>
-              </a:ext>
-            </a:extLst>
-          </p:cNvPr>
-          <p:cNvPicPr>
-            <a:picLocks noGrp="1" noChangeAspect="1"/>
-          </p:cNvPicPr>
-          <p:nvPr>
-            <p:ph type="pic" sz="quarter" idx="13"/>
-          </p:nvPr>
-        </p:nvPicPr>
-        <p:blipFill>
-          <a:blip r:embed="rId3">
-            <a:extLst>
-              <a:ext uri="{28A0092B-C50C-407E-A947-70E740481C1C}">
-                <a14:useLocalDpi xmlns:a14="http://schemas.microsoft.com/office/drawing/2010/main" val="0"/>
-              </a:ext>
-            </a:extLst>
-          </a:blip>
-          <a:srcRect t="2551" b="2551"/>
-          <a:stretch>
-            <a:fillRect/>
-          </a:stretch>
-        </p:blipFill>
-        <p:spPr/>
       </p:pic>
     </p:spTree>
     <p:extLst>
@@ -17344,7 +19029,7 @@
               <a:buNone/>
             </a:pPr>
             <a:r>
-              <a:rPr lang="en-AU" sz="3200" dirty="0">
+              <a:rPr lang="en-AU" sz="3200">
                 <a:solidFill>
                   <a:srgbClr val="D84D49"/>
                 </a:solidFill>
@@ -17354,31 +19039,31 @@
           </a:p>
           <a:p>
             <a:r>
-              <a:rPr lang="en-AU" dirty="0"/>
+              <a:rPr lang="en-AU"/>
               <a:t>PaaS for containers</a:t>
             </a:r>
           </a:p>
           <a:p>
             <a:r>
-              <a:rPr lang="en-AU" dirty="0"/>
+              <a:rPr lang="en-AU"/>
               <a:t>Pay as you go</a:t>
             </a:r>
           </a:p>
           <a:p>
             <a:r>
-              <a:rPr lang="en-AU" dirty="0"/>
+              <a:rPr lang="en-AU"/>
               <a:t>Managed security</a:t>
             </a:r>
           </a:p>
           <a:p>
             <a:r>
-              <a:rPr lang="en-AU" dirty="0"/>
+              <a:rPr lang="en-AU"/>
               <a:t>Simplicity</a:t>
             </a:r>
           </a:p>
           <a:p>
             <a:r>
-              <a:rPr lang="en-AU" dirty="0"/>
+              <a:rPr lang="en-AU"/>
               <a:t>Azure</a:t>
             </a:r>
           </a:p>
@@ -17386,7 +19071,7 @@
             <a:pPr marL="0" indent="0">
               <a:buNone/>
             </a:pPr>
-            <a:endParaRPr lang="en-US" dirty="0"/>
+            <a:endParaRPr lang="en-US"/>
           </a:p>
         </p:txBody>
       </p:sp>
@@ -17409,42 +19094,42 @@
               <a:buNone/>
             </a:pPr>
             <a:r>
-              <a:rPr lang="en-AU" sz="3200" dirty="0">
+              <a:rPr lang="en-AU" sz="3200">
                 <a:solidFill>
                   <a:srgbClr val="D84D49"/>
                 </a:solidFill>
               </a:rPr>
               <a:t>Kubernetes</a:t>
             </a:r>
-            <a:endParaRPr lang="en-AU" dirty="0"/>
-          </a:p>
-          <a:p>
-            <a:r>
-              <a:rPr lang="en-AU" dirty="0"/>
+            <a:endParaRPr lang="en-AU"/>
+          </a:p>
+          <a:p>
+            <a:r>
+              <a:rPr lang="en-AU"/>
               <a:t>PaaS-like container platform</a:t>
             </a:r>
           </a:p>
           <a:p>
             <a:r>
-              <a:rPr lang="en-AU" dirty="0"/>
+              <a:rPr lang="en-AU"/>
               <a:t>Massive discounts (up to 72%)</a:t>
             </a:r>
           </a:p>
           <a:p>
             <a:r>
-              <a:rPr lang="en-AU" dirty="0"/>
-              <a:t>DIY Security</a:t>
-            </a:r>
-          </a:p>
-          <a:p>
-            <a:r>
-              <a:rPr lang="en-AU" dirty="0"/>
+              <a:rPr lang="en-AU"/>
+              <a:t>Security</a:t>
+            </a:r>
+          </a:p>
+          <a:p>
+            <a:r>
+              <a:rPr lang="en-AU"/>
               <a:t>Flexibility</a:t>
             </a:r>
           </a:p>
           <a:p>
             <a:r>
-              <a:rPr lang="en-AU" dirty="0"/>
+              <a:rPr lang="en-AU"/>
               <a:t>Portable (Azure, AWS, GCP, etc)</a:t>
             </a:r>
           </a:p>
@@ -17452,7 +19137,7 @@
             <a:pPr marL="0" indent="0">
               <a:buNone/>
             </a:pPr>
-            <a:endParaRPr lang="en-US" dirty="0"/>
+            <a:endParaRPr lang="en-US"/>
           </a:p>
         </p:txBody>
       </p:sp>
@@ -18518,10 +20203,10 @@
           <a:lstStyle/>
           <a:p>
             <a:r>
-              <a:rPr lang="en-AU" dirty="0"/>
+              <a:rPr lang="en-AU"/>
               <a:t>Set up with AKS</a:t>
             </a:r>
-            <a:endParaRPr lang="en-US" dirty="0"/>
+            <a:endParaRPr lang="en-US"/>
           </a:p>
         </p:txBody>
       </p:sp>
@@ -18543,109 +20228,109 @@
           <a:lstStyle/>
           <a:p>
             <a:r>
-              <a:rPr lang="en-AU" dirty="0"/>
+              <a:rPr lang="en-AU"/>
               <a:t>Create a cluster with:</a:t>
             </a:r>
           </a:p>
           <a:p>
             <a:r>
-              <a:rPr lang="en-AU" dirty="0" err="1"/>
+              <a:rPr lang="en-AU" err="1"/>
               <a:t>az</a:t>
             </a:r>
             <a:r>
-              <a:rPr lang="en-AU" dirty="0"/>
+              <a:rPr lang="en-AU"/>
               <a:t> </a:t>
             </a:r>
             <a:r>
-              <a:rPr lang="en-AU" dirty="0" err="1"/>
+              <a:rPr lang="en-AU" err="1"/>
               <a:t>aks</a:t>
             </a:r>
             <a:r>
-              <a:rPr lang="en-AU" dirty="0"/>
+              <a:rPr lang="en-AU"/>
               <a:t> create –g </a:t>
             </a:r>
             <a:r>
-              <a:rPr lang="en-AU" dirty="0" err="1"/>
+              <a:rPr lang="en-AU" err="1"/>
               <a:t>MyResourceGroup</a:t>
             </a:r>
             <a:r>
-              <a:rPr lang="en-AU" dirty="0"/>
+              <a:rPr lang="en-AU"/>
               <a:t> –n </a:t>
             </a:r>
             <a:r>
-              <a:rPr lang="en-AU" dirty="0" err="1"/>
+              <a:rPr lang="en-AU" err="1"/>
               <a:t>MyManagedCluster</a:t>
             </a:r>
-            <a:endParaRPr lang="en-AU" dirty="0"/>
-          </a:p>
-          <a:p>
-            <a:r>
-              <a:rPr lang="en-AU" dirty="0"/>
+            <a:endParaRPr lang="en-AU"/>
+          </a:p>
+          <a:p>
+            <a:r>
+              <a:rPr lang="en-AU"/>
               <a:t>Download </a:t>
             </a:r>
             <a:r>
-              <a:rPr lang="en-AU" dirty="0" err="1"/>
+              <a:rPr lang="en-AU" err="1"/>
               <a:t>kubectl</a:t>
             </a:r>
             <a:r>
-              <a:rPr lang="en-AU" dirty="0"/>
+              <a:rPr lang="en-AU"/>
               <a:t>:</a:t>
             </a:r>
           </a:p>
           <a:p>
             <a:r>
-              <a:rPr lang="en-AU" dirty="0" err="1"/>
+              <a:rPr lang="en-AU" err="1"/>
               <a:t>az</a:t>
             </a:r>
             <a:r>
-              <a:rPr lang="en-AU" dirty="0"/>
+              <a:rPr lang="en-AU"/>
               <a:t> </a:t>
             </a:r>
             <a:r>
-              <a:rPr lang="en-AU" dirty="0" err="1"/>
+              <a:rPr lang="en-AU" err="1"/>
               <a:t>aks</a:t>
             </a:r>
             <a:r>
-              <a:rPr lang="en-AU" dirty="0"/>
+              <a:rPr lang="en-AU"/>
               <a:t> install-cli</a:t>
             </a:r>
           </a:p>
           <a:p>
             <a:r>
-              <a:rPr lang="en-AU" dirty="0"/>
+              <a:rPr lang="en-AU"/>
               <a:t>Connect to AKS cluster:</a:t>
             </a:r>
           </a:p>
           <a:p>
             <a:r>
-              <a:rPr lang="en-AU" dirty="0" err="1"/>
+              <a:rPr lang="en-AU" err="1"/>
               <a:t>az</a:t>
             </a:r>
             <a:r>
-              <a:rPr lang="en-AU" dirty="0"/>
+              <a:rPr lang="en-AU"/>
               <a:t> </a:t>
             </a:r>
             <a:r>
-              <a:rPr lang="en-AU" dirty="0" err="1"/>
+              <a:rPr lang="en-AU" err="1"/>
               <a:t>aks</a:t>
             </a:r>
             <a:r>
-              <a:rPr lang="en-AU" dirty="0"/>
+              <a:rPr lang="en-AU"/>
               <a:t> get-credentials –g </a:t>
             </a:r>
             <a:r>
-              <a:rPr lang="en-AU" dirty="0" err="1"/>
+              <a:rPr lang="en-AU" err="1"/>
               <a:t>MyResourceGroup</a:t>
             </a:r>
             <a:r>
-              <a:rPr lang="en-AU" dirty="0"/>
+              <a:rPr lang="en-AU"/>
               <a:t> -n </a:t>
             </a:r>
             <a:r>
-              <a:rPr lang="en-AU" dirty="0" err="1"/>
+              <a:rPr lang="en-AU" err="1"/>
               <a:t>MyManagedCluster</a:t>
             </a:r>
-            <a:endParaRPr lang="en-AU" dirty="0"/>
+            <a:endParaRPr lang="en-AU"/>
           </a:p>
         </p:txBody>
       </p:sp>
@@ -19375,7 +21060,7 @@
               <a:buNone/>
             </a:pPr>
             <a:r>
-              <a:rPr lang="en-AU" sz="3200" dirty="0">
+              <a:rPr lang="en-AU" sz="3200">
                 <a:solidFill>
                   <a:srgbClr val="D84D49"/>
                 </a:solidFill>
@@ -19385,41 +21070,41 @@
           </a:p>
           <a:p>
             <a:r>
-              <a:rPr lang="en-AU" dirty="0"/>
+              <a:rPr lang="en-AU"/>
               <a:t>Service</a:t>
             </a:r>
           </a:p>
           <a:p>
             <a:r>
-              <a:rPr lang="en-AU" dirty="0"/>
+              <a:rPr lang="en-AU"/>
               <a:t>Deployment</a:t>
             </a:r>
           </a:p>
           <a:p>
             <a:r>
-              <a:rPr lang="en-AU" dirty="0" err="1"/>
+              <a:rPr lang="en-AU" err="1"/>
               <a:t>StatefulSet</a:t>
             </a:r>
-            <a:endParaRPr lang="en-AU" dirty="0"/>
-          </a:p>
-          <a:p>
-            <a:r>
-              <a:rPr lang="en-AU" dirty="0"/>
+            <a:endParaRPr lang="en-AU"/>
+          </a:p>
+          <a:p>
+            <a:r>
+              <a:rPr lang="en-AU"/>
               <a:t>Job</a:t>
             </a:r>
           </a:p>
           <a:p>
             <a:r>
-              <a:rPr lang="en-AU" dirty="0" err="1"/>
+              <a:rPr lang="en-AU" err="1"/>
               <a:t>DaemonSet</a:t>
             </a:r>
-            <a:endParaRPr lang="en-AU" dirty="0"/>
+            <a:endParaRPr lang="en-AU"/>
           </a:p>
           <a:p>
             <a:pPr marL="0" indent="0">
               <a:buNone/>
             </a:pPr>
-            <a:endParaRPr lang="en-US" dirty="0"/>
+            <a:endParaRPr lang="en-US"/>
           </a:p>
         </p:txBody>
       </p:sp>
@@ -20096,19 +21781,19 @@
           <a:lstStyle/>
           <a:p>
             <a:r>
-              <a:rPr lang="en-AU" dirty="0"/>
+              <a:rPr lang="en-AU"/>
               <a:t>YAML configuration files</a:t>
             </a:r>
           </a:p>
           <a:p>
             <a:r>
-              <a:rPr lang="en-AU" dirty="0"/>
+              <a:rPr lang="en-AU"/>
               <a:t>Versioned definitions</a:t>
             </a:r>
           </a:p>
           <a:p>
             <a:r>
-              <a:rPr lang="en-AU" dirty="0"/>
+              <a:rPr lang="en-AU"/>
               <a:t>Focus on desired state rather than actions</a:t>
             </a:r>
           </a:p>
@@ -20183,10 +21868,10 @@
           <a:lstStyle/>
           <a:p>
             <a:r>
-              <a:rPr lang="en-AU" dirty="0" err="1"/>
+              <a:rPr lang="en-AU" err="1"/>
               <a:t>Kubectl</a:t>
             </a:r>
-            <a:endParaRPr lang="en-US" dirty="0"/>
+            <a:endParaRPr lang="en-US"/>
           </a:p>
         </p:txBody>
       </p:sp>
@@ -20206,21 +21891,21 @@
           <a:lstStyle/>
           <a:p>
             <a:r>
-              <a:rPr lang="en-AU" dirty="0"/>
+              <a:rPr lang="en-AU"/>
               <a:t>Apply config to cluster:</a:t>
             </a:r>
           </a:p>
           <a:p>
             <a:r>
-              <a:rPr lang="en-AU" dirty="0"/>
+              <a:rPr lang="en-AU"/>
               <a:t>    </a:t>
             </a:r>
             <a:r>
-              <a:rPr lang="en-AU" dirty="0" err="1"/>
+              <a:rPr lang="en-AU" err="1"/>
               <a:t>kubectl</a:t>
             </a:r>
             <a:r>
-              <a:rPr lang="en-AU" dirty="0"/>
+              <a:rPr lang="en-AU"/>
               <a:t> apply –f &lt;filename&gt;</a:t>
             </a:r>
           </a:p>
@@ -20453,40 +22138,40 @@
           <a:lstStyle/>
           <a:p>
             <a:r>
-              <a:rPr lang="en-AU" dirty="0"/>
+              <a:rPr lang="en-AU"/>
               <a:t>    anthonyison.com</a:t>
             </a:r>
           </a:p>
           <a:p>
             <a:r>
-              <a:rPr lang="en-AU" dirty="0"/>
+              <a:rPr lang="en-AU"/>
               <a:t>    hub.docker.com</a:t>
             </a:r>
           </a:p>
           <a:p>
             <a:r>
-              <a:rPr lang="en-AU" dirty="0"/>
+              <a:rPr lang="en-AU"/>
               <a:t>    kubernetes.io</a:t>
             </a:r>
           </a:p>
           <a:p>
             <a:r>
-              <a:rPr lang="en-AU" dirty="0"/>
+              <a:rPr lang="en-AU"/>
               <a:t>    docs.microsoft.com/</a:t>
             </a:r>
             <a:r>
-              <a:rPr lang="en-AU" dirty="0" err="1"/>
+              <a:rPr lang="en-AU" err="1"/>
               <a:t>en</a:t>
             </a:r>
             <a:r>
-              <a:rPr lang="en-AU" dirty="0"/>
+              <a:rPr lang="en-AU"/>
               <a:t>-us/azure/</a:t>
             </a:r>
             <a:r>
-              <a:rPr lang="en-AU" dirty="0" err="1"/>
+              <a:rPr lang="en-AU" err="1"/>
               <a:t>aks</a:t>
             </a:r>
-            <a:endParaRPr lang="en-AU" dirty="0"/>
+            <a:endParaRPr lang="en-AU"/>
           </a:p>
         </p:txBody>
       </p:sp>
@@ -20843,10 +22528,10 @@
           <a:lstStyle/>
           <a:p>
             <a:r>
-              <a:rPr lang="en-AU" dirty="0"/>
+              <a:rPr lang="en-AU"/>
               <a:t>What are containers?</a:t>
             </a:r>
-            <a:endParaRPr lang="en-US" dirty="0"/>
+            <a:endParaRPr lang="en-US"/>
           </a:p>
         </p:txBody>
       </p:sp>
@@ -20881,10 +22566,10 @@
           <a:lstStyle/>
           <a:p>
             <a:r>
-              <a:rPr lang="en-AU" dirty="0"/>
+              <a:rPr lang="en-AU"/>
               <a:t>Hosting in Kubernetes (AKS)</a:t>
             </a:r>
-            <a:endParaRPr lang="en-US" dirty="0"/>
+            <a:endParaRPr lang="en-US"/>
           </a:p>
         </p:txBody>
       </p:sp>
@@ -20909,10 +22594,10 @@
           <a:lstStyle/>
           <a:p>
             <a:r>
-              <a:rPr lang="en-AU" dirty="0"/>
+              <a:rPr lang="en-AU"/>
               <a:t>Building a container</a:t>
             </a:r>
-            <a:endParaRPr lang="en-US" dirty="0"/>
+            <a:endParaRPr lang="en-US"/>
           </a:p>
         </p:txBody>
       </p:sp>
@@ -22476,31 +24161,31 @@
           <a:lstStyle/>
           <a:p>
             <a:r>
-              <a:rPr lang="en-AU" dirty="0"/>
+              <a:rPr lang="en-AU"/>
               <a:t>1999 – VMWare introduced virtual machines</a:t>
             </a:r>
           </a:p>
           <a:p>
             <a:r>
-              <a:rPr lang="en-AU" dirty="0"/>
+              <a:rPr lang="en-AU"/>
               <a:t>2008 – LXC (Containers for Linux)</a:t>
             </a:r>
           </a:p>
           <a:p>
             <a:r>
-              <a:rPr lang="en-AU" dirty="0"/>
+              <a:rPr lang="en-AU"/>
               <a:t>2013 – Docker brings us container PaaS</a:t>
             </a:r>
           </a:p>
           <a:p>
             <a:r>
-              <a:rPr lang="en-AU" dirty="0"/>
+              <a:rPr lang="en-AU"/>
               <a:t>2015 – Google develops Kubernetes</a:t>
             </a:r>
           </a:p>
           <a:p>
             <a:r>
-              <a:rPr lang="en-AU" dirty="0"/>
+              <a:rPr lang="en-AU"/>
               <a:t>2018 – Microsoft Azure Kubernetes Service (AKS)</a:t>
             </a:r>
           </a:p>
@@ -24491,10 +26176,10 @@
           <a:lstStyle/>
           <a:p>
             <a:r>
-              <a:rPr lang="en-AU" dirty="0"/>
+              <a:rPr lang="en-AU"/>
               <a:t>What are containers?</a:t>
             </a:r>
-            <a:endParaRPr lang="en-US" dirty="0"/>
+            <a:endParaRPr lang="en-US"/>
           </a:p>
         </p:txBody>
       </p:sp>
@@ -24516,36 +26201,36 @@
           <a:lstStyle/>
           <a:p>
             <a:r>
-              <a:rPr lang="en-AU" dirty="0"/>
+              <a:rPr lang="en-AU"/>
               <a:t>“A standardised unit of software” – docker.com</a:t>
             </a:r>
           </a:p>
           <a:p>
             <a:r>
-              <a:rPr lang="en-AU" dirty="0"/>
+              <a:rPr lang="en-AU"/>
               <a:t>Lightweight, standalone, executable package</a:t>
             </a:r>
           </a:p>
           <a:p>
             <a:r>
-              <a:rPr lang="en-AU" dirty="0"/>
+              <a:rPr lang="en-AU"/>
               <a:t>Shares the host system kernel (no OS per application)</a:t>
             </a:r>
           </a:p>
           <a:p>
             <a:r>
-              <a:rPr lang="en-AU" dirty="0"/>
+              <a:rPr lang="en-AU"/>
               <a:t>Containers virtualise the OS, instead of the hardware</a:t>
             </a:r>
           </a:p>
           <a:p>
             <a:r>
-              <a:rPr lang="en-AU" dirty="0"/>
+              <a:rPr lang="en-AU"/>
               <a:t>Isolation – little dependency on environment</a:t>
             </a:r>
           </a:p>
           <a:p>
-            <a:endParaRPr lang="en-AU" dirty="0"/>
+            <a:endParaRPr lang="en-AU"/>
           </a:p>
         </p:txBody>
       </p:sp>
@@ -25165,10 +26850,10 @@
           <a:lstStyle/>
           <a:p>
             <a:r>
-              <a:rPr lang="en-AU" dirty="0"/>
+              <a:rPr lang="en-AU"/>
               <a:t>Virtual machines vs containers</a:t>
             </a:r>
-            <a:endParaRPr lang="en-US" dirty="0"/>
+            <a:endParaRPr lang="en-US"/>
           </a:p>
         </p:txBody>
       </p:sp>
@@ -25225,16 +26910,16 @@
           <a:p>
             <a:pPr algn="r"/>
             <a:r>
-              <a:rPr lang="en-AU" dirty="0"/>
+              <a:rPr lang="en-AU"/>
               <a:t>from </a:t>
             </a:r>
             <a:r>
-              <a:rPr lang="en-AU" dirty="0">
+              <a:rPr lang="en-AU">
                 <a:hlinkClick r:id="rId3"/>
               </a:rPr>
               <a:t>https://www.docker.com/resources/what-container</a:t>
             </a:r>
-            <a:endParaRPr lang="en-AU" dirty="0"/>
+            <a:endParaRPr lang="en-AU"/>
           </a:p>
         </p:txBody>
       </p:sp>
@@ -26424,6 +28109,65 @@
 </file>
 
 <file path=customXml/item1.xml><?xml version="1.0" encoding="utf-8"?>
+<?mso-contentType ?>
+<spe:Receivers xmlns:spe="http://schemas.microsoft.com/sharepoint/events">
+  <Receiver>
+    <Name>Document ID Generator</Name>
+    <Synchronization>Synchronous</Synchronization>
+    <Type>10001</Type>
+    <SequenceNumber>1000</SequenceNumber>
+    <Url/>
+    <Assembly>Microsoft.Office.DocumentManagement, Version=16.0.0.0, Culture=neutral, PublicKeyToken=71e9bce111e9429c</Assembly>
+    <Class>Microsoft.Office.DocumentManagement.Internal.DocIdHandler</Class>
+    <Data/>
+    <Filter/>
+  </Receiver>
+  <Receiver>
+    <Name>Document ID Generator</Name>
+    <Synchronization>Synchronous</Synchronization>
+    <Type>10002</Type>
+    <SequenceNumber>1001</SequenceNumber>
+    <Url/>
+    <Assembly>Microsoft.Office.DocumentManagement, Version=16.0.0.0, Culture=neutral, PublicKeyToken=71e9bce111e9429c</Assembly>
+    <Class>Microsoft.Office.DocumentManagement.Internal.DocIdHandler</Class>
+    <Data/>
+    <Filter/>
+  </Receiver>
+  <Receiver>
+    <Name>Document ID Generator</Name>
+    <Synchronization>Synchronous</Synchronization>
+    <Type>10004</Type>
+    <SequenceNumber>1002</SequenceNumber>
+    <Url/>
+    <Assembly>Microsoft.Office.DocumentManagement, Version=16.0.0.0, Culture=neutral, PublicKeyToken=71e9bce111e9429c</Assembly>
+    <Class>Microsoft.Office.DocumentManagement.Internal.DocIdHandler</Class>
+    <Data/>
+    <Filter/>
+  </Receiver>
+  <Receiver>
+    <Name>Document ID Generator</Name>
+    <Synchronization>Synchronous</Synchronization>
+    <Type>10006</Type>
+    <SequenceNumber>1003</SequenceNumber>
+    <Url/>
+    <Assembly>Microsoft.Office.DocumentManagement, Version=16.0.0.0, Culture=neutral, PublicKeyToken=71e9bce111e9429c</Assembly>
+    <Class>Microsoft.Office.DocumentManagement.Internal.DocIdHandler</Class>
+    <Data/>
+    <Filter/>
+  </Receiver>
+</spe:Receivers>
+</file>
+
+<file path=customXml/item2.xml><?xml version="1.0" encoding="utf-8"?>
+<?mso-contentType ?>
+<FormTemplates xmlns="http://schemas.microsoft.com/sharepoint/v3/contenttype/forms">
+  <Display>DocumentLibraryForm</Display>
+  <Edit>DocumentLibraryForm</Edit>
+  <New>DocumentLibraryForm</New>
+</FormTemplates>
+</file>
+
+<file path=customXml/item3.xml><?xml version="1.0" encoding="utf-8"?>
 <ct:contentTypeSchema xmlns:ct="http://schemas.microsoft.com/office/2006/metadata/contentType" xmlns:ma="http://schemas.microsoft.com/office/2006/metadata/properties/metaAttributes" ct:_="" ma:_="" ma:contentTypeName="Document" ma:contentTypeID="0x0101003E598C56BA89C349AC3B17B3EDC7DFC2" ma:contentTypeVersion="8" ma:contentTypeDescription="Create a new document." ma:contentTypeScope="" ma:versionID="c88c79ad8a5f742bd6c89be6feebf3d5">
   <xsd:schema xmlns:xsd="http://www.w3.org/2001/XMLSchema" xmlns:xs="http://www.w3.org/2001/XMLSchema" xmlns:p="http://schemas.microsoft.com/office/2006/metadata/properties" xmlns:ns2="13258315-3b3e-4bfc-828c-b30faf5ec6e2" xmlns:ns3="a7dc2287-6a21-4a5f-aa3b-c3353e988492" targetNamespace="http://schemas.microsoft.com/office/2006/metadata/properties" ma:root="true" ma:fieldsID="1f4e209e324c17c71d2082146d419922" ns2:_="" ns3:_="">
     <xsd:import namespace="13258315-3b3e-4bfc-828c-b30faf5ec6e2"/>
@@ -26639,65 +28383,6 @@
 </ct:contentTypeSchema>
 </file>
 
-<file path=customXml/item2.xml><?xml version="1.0" encoding="utf-8"?>
-<?mso-contentType ?>
-<spe:Receivers xmlns:spe="http://schemas.microsoft.com/sharepoint/events">
-  <Receiver>
-    <Name>Document ID Generator</Name>
-    <Synchronization>Synchronous</Synchronization>
-    <Type>10001</Type>
-    <SequenceNumber>1000</SequenceNumber>
-    <Url/>
-    <Assembly>Microsoft.Office.DocumentManagement, Version=16.0.0.0, Culture=neutral, PublicKeyToken=71e9bce111e9429c</Assembly>
-    <Class>Microsoft.Office.DocumentManagement.Internal.DocIdHandler</Class>
-    <Data/>
-    <Filter/>
-  </Receiver>
-  <Receiver>
-    <Name>Document ID Generator</Name>
-    <Synchronization>Synchronous</Synchronization>
-    <Type>10002</Type>
-    <SequenceNumber>1001</SequenceNumber>
-    <Url/>
-    <Assembly>Microsoft.Office.DocumentManagement, Version=16.0.0.0, Culture=neutral, PublicKeyToken=71e9bce111e9429c</Assembly>
-    <Class>Microsoft.Office.DocumentManagement.Internal.DocIdHandler</Class>
-    <Data/>
-    <Filter/>
-  </Receiver>
-  <Receiver>
-    <Name>Document ID Generator</Name>
-    <Synchronization>Synchronous</Synchronization>
-    <Type>10004</Type>
-    <SequenceNumber>1002</SequenceNumber>
-    <Url/>
-    <Assembly>Microsoft.Office.DocumentManagement, Version=16.0.0.0, Culture=neutral, PublicKeyToken=71e9bce111e9429c</Assembly>
-    <Class>Microsoft.Office.DocumentManagement.Internal.DocIdHandler</Class>
-    <Data/>
-    <Filter/>
-  </Receiver>
-  <Receiver>
-    <Name>Document ID Generator</Name>
-    <Synchronization>Synchronous</Synchronization>
-    <Type>10006</Type>
-    <SequenceNumber>1003</SequenceNumber>
-    <Url/>
-    <Assembly>Microsoft.Office.DocumentManagement, Version=16.0.0.0, Culture=neutral, PublicKeyToken=71e9bce111e9429c</Assembly>
-    <Class>Microsoft.Office.DocumentManagement.Internal.DocIdHandler</Class>
-    <Data/>
-    <Filter/>
-  </Receiver>
-</spe:Receivers>
-</file>
-
-<file path=customXml/item3.xml><?xml version="1.0" encoding="utf-8"?>
-<?mso-contentType ?>
-<FormTemplates xmlns="http://schemas.microsoft.com/sharepoint/v3/contenttype/forms">
-  <Display>DocumentLibraryForm</Display>
-  <Edit>DocumentLibraryForm</Edit>
-  <New>DocumentLibraryForm</New>
-</FormTemplates>
-</file>
-
 <file path=customXml/item4.xml><?xml version="1.0" encoding="utf-8"?>
 <p:properties xmlns:p="http://schemas.microsoft.com/office/2006/metadata/properties" xmlns:xsi="http://www.w3.org/2001/XMLSchema-instance" xmlns:pc="http://schemas.microsoft.com/office/infopath/2007/PartnerControls">
   <documentManagement>
@@ -26711,6 +28396,22 @@
 </file>
 
 <file path=customXml/itemProps1.xml><?xml version="1.0" encoding="utf-8"?>
+<ds:datastoreItem xmlns:ds="http://schemas.openxmlformats.org/officeDocument/2006/customXml" ds:itemID="{50EF01DD-52CD-4514-AE20-00DB1F660C96}">
+  <ds:schemaRefs>
+    <ds:schemaRef ds:uri="http://schemas.microsoft.com/sharepoint/events"/>
+  </ds:schemaRefs>
+</ds:datastoreItem>
+</file>
+
+<file path=customXml/itemProps2.xml><?xml version="1.0" encoding="utf-8"?>
+<ds:datastoreItem xmlns:ds="http://schemas.openxmlformats.org/officeDocument/2006/customXml" ds:itemID="{0D0848C2-F1F0-4CB5-A53D-92690F62FB84}">
+  <ds:schemaRefs>
+    <ds:schemaRef ds:uri="http://schemas.microsoft.com/sharepoint/v3/contenttype/forms"/>
+  </ds:schemaRefs>
+</ds:datastoreItem>
+</file>
+
+<file path=customXml/itemProps3.xml><?xml version="1.0" encoding="utf-8"?>
 <ds:datastoreItem xmlns:ds="http://schemas.openxmlformats.org/officeDocument/2006/customXml" ds:itemID="{BAF8FDB2-7EFA-4548-8F26-EB19E89CBA01}">
   <ds:schemaRefs>
     <ds:schemaRef ds:uri="13258315-3b3e-4bfc-828c-b30faf5ec6e2"/>
@@ -26729,34 +28430,18 @@
 </ds:datastoreItem>
 </file>
 
-<file path=customXml/itemProps2.xml><?xml version="1.0" encoding="utf-8"?>
-<ds:datastoreItem xmlns:ds="http://schemas.openxmlformats.org/officeDocument/2006/customXml" ds:itemID="{50EF01DD-52CD-4514-AE20-00DB1F660C96}">
-  <ds:schemaRefs>
-    <ds:schemaRef ds:uri="http://schemas.microsoft.com/sharepoint/events"/>
-  </ds:schemaRefs>
-</ds:datastoreItem>
-</file>
-
-<file path=customXml/itemProps3.xml><?xml version="1.0" encoding="utf-8"?>
-<ds:datastoreItem xmlns:ds="http://schemas.openxmlformats.org/officeDocument/2006/customXml" ds:itemID="{0D0848C2-F1F0-4CB5-A53D-92690F62FB84}">
-  <ds:schemaRefs>
-    <ds:schemaRef ds:uri="http://schemas.microsoft.com/sharepoint/v3/contenttype/forms"/>
-  </ds:schemaRefs>
-</ds:datastoreItem>
-</file>
-
 <file path=customXml/itemProps4.xml><?xml version="1.0" encoding="utf-8"?>
 <ds:datastoreItem xmlns:ds="http://schemas.openxmlformats.org/officeDocument/2006/customXml" ds:itemID="{3CDF0137-D4A4-4A49-808A-DA860CA0F942}">
   <ds:schemaRefs>
+    <ds:schemaRef ds:uri="13258315-3b3e-4bfc-828c-b30faf5ec6e2"/>
+    <ds:schemaRef ds:uri="a7dc2287-6a21-4a5f-aa3b-c3353e988492"/>
     <ds:schemaRef ds:uri="http://purl.org/dc/dcmitype/"/>
+    <ds:schemaRef ds:uri="http://purl.org/dc/elements/1.1/"/>
+    <ds:schemaRef ds:uri="http://purl.org/dc/terms/"/>
+    <ds:schemaRef ds:uri="http://schemas.microsoft.com/office/2006/documentManagement/types"/>
+    <ds:schemaRef ds:uri="http://schemas.microsoft.com/office/2006/metadata/properties"/>
     <ds:schemaRef ds:uri="http://schemas.microsoft.com/office/infopath/2007/PartnerControls"/>
-    <ds:schemaRef ds:uri="http://schemas.microsoft.com/office/2006/documentManagement/types"/>
-    <ds:schemaRef ds:uri="http://purl.org/dc/elements/1.1/"/>
-    <ds:schemaRef ds:uri="http://schemas.microsoft.com/office/2006/metadata/properties"/>
-    <ds:schemaRef ds:uri="13258315-3b3e-4bfc-828c-b30faf5ec6e2"/>
-    <ds:schemaRef ds:uri="http://purl.org/dc/terms/"/>
     <ds:schemaRef ds:uri="http://schemas.openxmlformats.org/package/2006/metadata/core-properties"/>
-    <ds:schemaRef ds:uri="a7dc2287-6a21-4a5f-aa3b-c3353e988492"/>
     <ds:schemaRef ds:uri="http://www.w3.org/XML/1998/namespace"/>
   </ds:schemaRefs>
 </ds:datastoreItem>
